--- a/Documentation/Final_Poster_Presentation.pptx
+++ b/Documentation/Final_Poster_Presentation.pptx
@@ -104,7 +104,89 @@
       </a:defRPr>
     </a:lvl9pPr>
   </p:defaultTextStyle>
+  <p:extLst>
+    <p:ext uri="{EFAFB233-063F-42B5-8137-9DF3F51BA10A}">
+      <p15:sldGuideLst xmlns:p15="http://schemas.microsoft.com/office/powerpoint/2012/main"/>
+    </p:ext>
+  </p:extLst>
 </p:presentation>
+</file>
+
+<file path=ppt/revisionInfo.xml><?xml version="1.0" encoding="utf-8"?>
+<p1510:revInfo xmlns:a="http://schemas.openxmlformats.org/drawingml/2006/main" xmlns:r="http://schemas.openxmlformats.org/officeDocument/2006/relationships" xmlns:p1510="http://schemas.microsoft.com/office/powerpoint/2015/10/main">
+  <p1510:revLst>
+    <p1510:client id="{01A9132E-D0EE-4999-8D20-806AB848B0DF}" v="6" dt="2023-12-20T11:40:11.323"/>
+  </p1510:revLst>
+</p1510:revInfo>
+</file>
+
+<file path=ppt/changesInfos/changesInfo1.xml><?xml version="1.0" encoding="utf-8"?>
+<pc:chgInfo xmlns:a="http://schemas.openxmlformats.org/drawingml/2006/main" xmlns:r="http://schemas.openxmlformats.org/officeDocument/2006/relationships" xmlns:ac="http://schemas.microsoft.com/office/drawing/2013/main/command" xmlns:pc="http://schemas.microsoft.com/office/powerpoint/2013/main/command">
+  <pc:docChgLst>
+    <pc:chgData name="Southard,Wyatt W.A." userId="bd58111a-1a0a-4f24-908c-42d1f632482e" providerId="ADAL" clId="{01A9132E-D0EE-4999-8D20-806AB848B0DF}"/>
+    <pc:docChg chg="modSld">
+      <pc:chgData name="Southard,Wyatt W.A." userId="bd58111a-1a0a-4f24-908c-42d1f632482e" providerId="ADAL" clId="{01A9132E-D0EE-4999-8D20-806AB848B0DF}" dt="2023-12-20T11:40:51.172" v="20" actId="1076"/>
+      <pc:docMkLst>
+        <pc:docMk/>
+      </pc:docMkLst>
+      <pc:sldChg chg="addSp modSp mod">
+        <pc:chgData name="Southard,Wyatt W.A." userId="bd58111a-1a0a-4f24-908c-42d1f632482e" providerId="ADAL" clId="{01A9132E-D0EE-4999-8D20-806AB848B0DF}" dt="2023-12-20T11:40:51.172" v="20" actId="1076"/>
+        <pc:sldMkLst>
+          <pc:docMk/>
+          <pc:sldMk cId="4288181715" sldId="256"/>
+        </pc:sldMkLst>
+        <pc:spChg chg="add mod">
+          <ac:chgData name="Southard,Wyatt W.A." userId="bd58111a-1a0a-4f24-908c-42d1f632482e" providerId="ADAL" clId="{01A9132E-D0EE-4999-8D20-806AB848B0DF}" dt="2023-12-20T11:06:34.494" v="5" actId="20577"/>
+          <ac:spMkLst>
+            <pc:docMk/>
+            <pc:sldMk cId="4288181715" sldId="256"/>
+            <ac:spMk id="2" creationId="{C8D47334-AEA6-65BD-1B4E-07FC7D5A24A5}"/>
+          </ac:spMkLst>
+        </pc:spChg>
+        <pc:spChg chg="add mod">
+          <ac:chgData name="Southard,Wyatt W.A." userId="bd58111a-1a0a-4f24-908c-42d1f632482e" providerId="ADAL" clId="{01A9132E-D0EE-4999-8D20-806AB848B0DF}" dt="2023-12-20T11:39:34.091" v="7" actId="1076"/>
+          <ac:spMkLst>
+            <pc:docMk/>
+            <pc:sldMk cId="4288181715" sldId="256"/>
+            <ac:spMk id="3" creationId="{0DE0077A-850B-778A-E2E7-BBE4F7ED0F32}"/>
+          </ac:spMkLst>
+        </pc:spChg>
+        <pc:spChg chg="add mod">
+          <ac:chgData name="Southard,Wyatt W.A." userId="bd58111a-1a0a-4f24-908c-42d1f632482e" providerId="ADAL" clId="{01A9132E-D0EE-4999-8D20-806AB848B0DF}" dt="2023-12-20T11:39:44.518" v="9" actId="1076"/>
+          <ac:spMkLst>
+            <pc:docMk/>
+            <pc:sldMk cId="4288181715" sldId="256"/>
+            <ac:spMk id="4" creationId="{709D5F7F-E2AC-6044-F182-D1C6C1D497D2}"/>
+          </ac:spMkLst>
+        </pc:spChg>
+        <pc:spChg chg="add mod">
+          <ac:chgData name="Southard,Wyatt W.A." userId="bd58111a-1a0a-4f24-908c-42d1f632482e" providerId="ADAL" clId="{01A9132E-D0EE-4999-8D20-806AB848B0DF}" dt="2023-12-20T11:39:54.301" v="11" actId="1076"/>
+          <ac:spMkLst>
+            <pc:docMk/>
+            <pc:sldMk cId="4288181715" sldId="256"/>
+            <ac:spMk id="5" creationId="{5071D68A-2C81-98AA-4495-307611CE8FA7}"/>
+          </ac:spMkLst>
+        </pc:spChg>
+        <pc:spChg chg="add mod">
+          <ac:chgData name="Southard,Wyatt W.A." userId="bd58111a-1a0a-4f24-908c-42d1f632482e" providerId="ADAL" clId="{01A9132E-D0EE-4999-8D20-806AB848B0DF}" dt="2023-12-20T11:40:51.172" v="20" actId="1076"/>
+          <ac:spMkLst>
+            <pc:docMk/>
+            <pc:sldMk cId="4288181715" sldId="256"/>
+            <ac:spMk id="6" creationId="{80689443-8C50-347A-1AAF-F00A28BF4E3A}"/>
+          </ac:spMkLst>
+        </pc:spChg>
+        <pc:spChg chg="add mod">
+          <ac:chgData name="Southard,Wyatt W.A." userId="bd58111a-1a0a-4f24-908c-42d1f632482e" providerId="ADAL" clId="{01A9132E-D0EE-4999-8D20-806AB848B0DF}" dt="2023-12-20T11:40:46.094" v="19" actId="1076"/>
+          <ac:spMkLst>
+            <pc:docMk/>
+            <pc:sldMk cId="4288181715" sldId="256"/>
+            <ac:spMk id="7" creationId="{1EC19ED2-0159-72F2-43C2-82B1BB1D776A}"/>
+          </ac:spMkLst>
+        </pc:spChg>
+      </pc:sldChg>
+    </pc:docChg>
+  </pc:docChgLst>
+</pc:chgInfo>
 </file>
 
 <file path=ppt/slideLayouts/slideLayout1.xml><?xml version="1.0" encoding="utf-8"?>
@@ -4008,6 +4090,270 @@
           </a:p>
         </p:txBody>
       </p:sp>
+      <p:sp>
+        <p:nvSpPr>
+          <p:cNvPr id="2" name="Rectangle 1">
+            <a:extLst>
+              <a:ext uri="{FF2B5EF4-FFF2-40B4-BE49-F238E27FC236}">
+                <a16:creationId xmlns:a16="http://schemas.microsoft.com/office/drawing/2014/main" id="{C8D47334-AEA6-65BD-1B4E-07FC7D5A24A5}"/>
+              </a:ext>
+            </a:extLst>
+          </p:cNvPr>
+          <p:cNvSpPr/>
+          <p:nvPr/>
+        </p:nvSpPr>
+        <p:spPr>
+          <a:xfrm>
+            <a:off x="1336804" y="3278378"/>
+            <a:ext cx="2687652" cy="1044238"/>
+          </a:xfrm>
+          <a:prstGeom prst="rect">
+            <a:avLst/>
+          </a:prstGeom>
+        </p:spPr>
+        <p:style>
+          <a:lnRef idx="2">
+            <a:schemeClr val="accent1"/>
+          </a:lnRef>
+          <a:fillRef idx="1">
+            <a:schemeClr val="lt1"/>
+          </a:fillRef>
+          <a:effectRef idx="0">
+            <a:schemeClr val="accent1"/>
+          </a:effectRef>
+          <a:fontRef idx="minor">
+            <a:schemeClr val="dk1"/>
+          </a:fontRef>
+        </p:style>
+        <p:txBody>
+          <a:bodyPr rtlCol="0" anchor="ctr"/>
+          <a:lstStyle/>
+          <a:p>
+            <a:pPr algn="ctr"/>
+            <a:endParaRPr lang="en-US" sz="1400" dirty="0"/>
+          </a:p>
+        </p:txBody>
+      </p:sp>
+      <p:sp>
+        <p:nvSpPr>
+          <p:cNvPr id="3" name="Rectangle 2">
+            <a:extLst>
+              <a:ext uri="{FF2B5EF4-FFF2-40B4-BE49-F238E27FC236}">
+                <a16:creationId xmlns:a16="http://schemas.microsoft.com/office/drawing/2014/main" id="{0DE0077A-850B-778A-E2E7-BBE4F7ED0F32}"/>
+              </a:ext>
+            </a:extLst>
+          </p:cNvPr>
+          <p:cNvSpPr/>
+          <p:nvPr/>
+        </p:nvSpPr>
+        <p:spPr>
+          <a:xfrm>
+            <a:off x="5576744" y="3278378"/>
+            <a:ext cx="2687652" cy="1044238"/>
+          </a:xfrm>
+          <a:prstGeom prst="rect">
+            <a:avLst/>
+          </a:prstGeom>
+        </p:spPr>
+        <p:style>
+          <a:lnRef idx="2">
+            <a:schemeClr val="accent1"/>
+          </a:lnRef>
+          <a:fillRef idx="1">
+            <a:schemeClr val="lt1"/>
+          </a:fillRef>
+          <a:effectRef idx="0">
+            <a:schemeClr val="accent1"/>
+          </a:effectRef>
+          <a:fontRef idx="minor">
+            <a:schemeClr val="dk1"/>
+          </a:fontRef>
+        </p:style>
+        <p:txBody>
+          <a:bodyPr rtlCol="0" anchor="ctr"/>
+          <a:lstStyle/>
+          <a:p>
+            <a:pPr algn="ctr"/>
+            <a:endParaRPr lang="en-US" sz="1400" dirty="0"/>
+          </a:p>
+        </p:txBody>
+      </p:sp>
+      <p:sp>
+        <p:nvSpPr>
+          <p:cNvPr id="4" name="Rectangle 3">
+            <a:extLst>
+              <a:ext uri="{FF2B5EF4-FFF2-40B4-BE49-F238E27FC236}">
+                <a16:creationId xmlns:a16="http://schemas.microsoft.com/office/drawing/2014/main" id="{709D5F7F-E2AC-6044-F182-D1C6C1D497D2}"/>
+              </a:ext>
+            </a:extLst>
+          </p:cNvPr>
+          <p:cNvSpPr/>
+          <p:nvPr/>
+        </p:nvSpPr>
+        <p:spPr>
+          <a:xfrm>
+            <a:off x="1336804" y="6460652"/>
+            <a:ext cx="2687652" cy="1044238"/>
+          </a:xfrm>
+          <a:prstGeom prst="rect">
+            <a:avLst/>
+          </a:prstGeom>
+        </p:spPr>
+        <p:style>
+          <a:lnRef idx="2">
+            <a:schemeClr val="accent1"/>
+          </a:lnRef>
+          <a:fillRef idx="1">
+            <a:schemeClr val="lt1"/>
+          </a:fillRef>
+          <a:effectRef idx="0">
+            <a:schemeClr val="accent1"/>
+          </a:effectRef>
+          <a:fontRef idx="minor">
+            <a:schemeClr val="dk1"/>
+          </a:fontRef>
+        </p:style>
+        <p:txBody>
+          <a:bodyPr rtlCol="0" anchor="ctr"/>
+          <a:lstStyle/>
+          <a:p>
+            <a:pPr algn="ctr"/>
+            <a:endParaRPr lang="en-US" sz="1400" dirty="0"/>
+          </a:p>
+        </p:txBody>
+      </p:sp>
+      <p:sp>
+        <p:nvSpPr>
+          <p:cNvPr id="5" name="Rectangle 4">
+            <a:extLst>
+              <a:ext uri="{FF2B5EF4-FFF2-40B4-BE49-F238E27FC236}">
+                <a16:creationId xmlns:a16="http://schemas.microsoft.com/office/drawing/2014/main" id="{5071D68A-2C81-98AA-4495-307611CE8FA7}"/>
+              </a:ext>
+            </a:extLst>
+          </p:cNvPr>
+          <p:cNvSpPr/>
+          <p:nvPr/>
+        </p:nvSpPr>
+        <p:spPr>
+          <a:xfrm>
+            <a:off x="5576744" y="6460652"/>
+            <a:ext cx="2687652" cy="1044238"/>
+          </a:xfrm>
+          <a:prstGeom prst="rect">
+            <a:avLst/>
+          </a:prstGeom>
+        </p:spPr>
+        <p:style>
+          <a:lnRef idx="2">
+            <a:schemeClr val="accent1"/>
+          </a:lnRef>
+          <a:fillRef idx="1">
+            <a:schemeClr val="lt1"/>
+          </a:fillRef>
+          <a:effectRef idx="0">
+            <a:schemeClr val="accent1"/>
+          </a:effectRef>
+          <a:fontRef idx="minor">
+            <a:schemeClr val="dk1"/>
+          </a:fontRef>
+        </p:style>
+        <p:txBody>
+          <a:bodyPr rtlCol="0" anchor="ctr"/>
+          <a:lstStyle/>
+          <a:p>
+            <a:pPr algn="ctr"/>
+            <a:endParaRPr lang="en-US" sz="1400" dirty="0"/>
+          </a:p>
+        </p:txBody>
+      </p:sp>
+      <p:sp>
+        <p:nvSpPr>
+          <p:cNvPr id="6" name="Rectangle 5">
+            <a:extLst>
+              <a:ext uri="{FF2B5EF4-FFF2-40B4-BE49-F238E27FC236}">
+                <a16:creationId xmlns:a16="http://schemas.microsoft.com/office/drawing/2014/main" id="{80689443-8C50-347A-1AAF-F00A28BF4E3A}"/>
+              </a:ext>
+            </a:extLst>
+          </p:cNvPr>
+          <p:cNvSpPr/>
+          <p:nvPr/>
+        </p:nvSpPr>
+        <p:spPr>
+          <a:xfrm>
+            <a:off x="890016" y="9842748"/>
+            <a:ext cx="2687652" cy="1410494"/>
+          </a:xfrm>
+          <a:prstGeom prst="rect">
+            <a:avLst/>
+          </a:prstGeom>
+        </p:spPr>
+        <p:style>
+          <a:lnRef idx="2">
+            <a:schemeClr val="accent1"/>
+          </a:lnRef>
+          <a:fillRef idx="1">
+            <a:schemeClr val="lt1"/>
+          </a:fillRef>
+          <a:effectRef idx="0">
+            <a:schemeClr val="accent1"/>
+          </a:effectRef>
+          <a:fontRef idx="minor">
+            <a:schemeClr val="dk1"/>
+          </a:fontRef>
+        </p:style>
+        <p:txBody>
+          <a:bodyPr rtlCol="0" anchor="ctr"/>
+          <a:lstStyle/>
+          <a:p>
+            <a:pPr algn="ctr"/>
+            <a:endParaRPr lang="en-US" sz="1400" dirty="0"/>
+          </a:p>
+        </p:txBody>
+      </p:sp>
+      <p:sp>
+        <p:nvSpPr>
+          <p:cNvPr id="7" name="Rectangle 6">
+            <a:extLst>
+              <a:ext uri="{FF2B5EF4-FFF2-40B4-BE49-F238E27FC236}">
+                <a16:creationId xmlns:a16="http://schemas.microsoft.com/office/drawing/2014/main" id="{1EC19ED2-0159-72F2-43C2-82B1BB1D776A}"/>
+              </a:ext>
+            </a:extLst>
+          </p:cNvPr>
+          <p:cNvSpPr/>
+          <p:nvPr/>
+        </p:nvSpPr>
+        <p:spPr>
+          <a:xfrm>
+            <a:off x="6023532" y="9842748"/>
+            <a:ext cx="2687652" cy="1406015"/>
+          </a:xfrm>
+          <a:prstGeom prst="rect">
+            <a:avLst/>
+          </a:prstGeom>
+        </p:spPr>
+        <p:style>
+          <a:lnRef idx="2">
+            <a:schemeClr val="accent1"/>
+          </a:lnRef>
+          <a:fillRef idx="1">
+            <a:schemeClr val="lt1"/>
+          </a:fillRef>
+          <a:effectRef idx="0">
+            <a:schemeClr val="accent1"/>
+          </a:effectRef>
+          <a:fontRef idx="minor">
+            <a:schemeClr val="dk1"/>
+          </a:fontRef>
+        </p:style>
+        <p:txBody>
+          <a:bodyPr rtlCol="0" anchor="ctr"/>
+          <a:lstStyle/>
+          <a:p>
+            <a:pPr algn="ctr"/>
+            <a:endParaRPr lang="en-US" sz="1400" dirty="0"/>
+          </a:p>
+        </p:txBody>
+      </p:sp>
     </p:spTree>
     <p:extLst>
       <p:ext uri="{BB962C8B-B14F-4D97-AF65-F5344CB8AC3E}">

--- a/Documentation/Final_Poster_Presentation.pptx
+++ b/Documentation/Final_Poster_Presentation.pptx
@@ -115,7 +115,7 @@
 <file path=ppt/revisionInfo.xml><?xml version="1.0" encoding="utf-8"?>
 <p1510:revInfo xmlns:a="http://schemas.openxmlformats.org/drawingml/2006/main" xmlns:r="http://schemas.openxmlformats.org/officeDocument/2006/relationships" xmlns:p1510="http://schemas.microsoft.com/office/powerpoint/2015/10/main">
   <p1510:revLst>
-    <p1510:client id="{01A9132E-D0EE-4999-8D20-806AB848B0DF}" v="6" dt="2023-12-20T11:40:11.323"/>
+    <p1510:client id="{01A9132E-D0EE-4999-8D20-806AB848B0DF}" v="38" dt="2023-12-20T13:14:46.931"/>
   </p1510:revLst>
 </p1510:revInfo>
 </file>
@@ -124,19 +124,19 @@
 <pc:chgInfo xmlns:a="http://schemas.openxmlformats.org/drawingml/2006/main" xmlns:r="http://schemas.openxmlformats.org/officeDocument/2006/relationships" xmlns:ac="http://schemas.microsoft.com/office/drawing/2013/main/command" xmlns:pc="http://schemas.microsoft.com/office/powerpoint/2013/main/command">
   <pc:docChgLst>
     <pc:chgData name="Southard,Wyatt W.A." userId="bd58111a-1a0a-4f24-908c-42d1f632482e" providerId="ADAL" clId="{01A9132E-D0EE-4999-8D20-806AB848B0DF}"/>
-    <pc:docChg chg="modSld">
-      <pc:chgData name="Southard,Wyatt W.A." userId="bd58111a-1a0a-4f24-908c-42d1f632482e" providerId="ADAL" clId="{01A9132E-D0EE-4999-8D20-806AB848B0DF}" dt="2023-12-20T11:40:51.172" v="20" actId="1076"/>
+    <pc:docChg chg="undo custSel modSld">
+      <pc:chgData name="Southard,Wyatt W.A." userId="bd58111a-1a0a-4f24-908c-42d1f632482e" providerId="ADAL" clId="{01A9132E-D0EE-4999-8D20-806AB848B0DF}" dt="2023-12-20T13:15:30.487" v="1071" actId="14100"/>
       <pc:docMkLst>
         <pc:docMk/>
       </pc:docMkLst>
-      <pc:sldChg chg="addSp modSp mod">
-        <pc:chgData name="Southard,Wyatt W.A." userId="bd58111a-1a0a-4f24-908c-42d1f632482e" providerId="ADAL" clId="{01A9132E-D0EE-4999-8D20-806AB848B0DF}" dt="2023-12-20T11:40:51.172" v="20" actId="1076"/>
+      <pc:sldChg chg="addSp delSp modSp mod">
+        <pc:chgData name="Southard,Wyatt W.A." userId="bd58111a-1a0a-4f24-908c-42d1f632482e" providerId="ADAL" clId="{01A9132E-D0EE-4999-8D20-806AB848B0DF}" dt="2023-12-20T13:15:30.487" v="1071" actId="14100"/>
         <pc:sldMkLst>
           <pc:docMk/>
           <pc:sldMk cId="4288181715" sldId="256"/>
         </pc:sldMkLst>
         <pc:spChg chg="add mod">
-          <ac:chgData name="Southard,Wyatt W.A." userId="bd58111a-1a0a-4f24-908c-42d1f632482e" providerId="ADAL" clId="{01A9132E-D0EE-4999-8D20-806AB848B0DF}" dt="2023-12-20T11:06:34.494" v="5" actId="20577"/>
+          <ac:chgData name="Southard,Wyatt W.A." userId="bd58111a-1a0a-4f24-908c-42d1f632482e" providerId="ADAL" clId="{01A9132E-D0EE-4999-8D20-806AB848B0DF}" dt="2023-12-20T13:13:09.038" v="1045" actId="1076"/>
           <ac:spMkLst>
             <pc:docMk/>
             <pc:sldMk cId="4288181715" sldId="256"/>
@@ -144,45 +144,261 @@
           </ac:spMkLst>
         </pc:spChg>
         <pc:spChg chg="add mod">
-          <ac:chgData name="Southard,Wyatt W.A." userId="bd58111a-1a0a-4f24-908c-42d1f632482e" providerId="ADAL" clId="{01A9132E-D0EE-4999-8D20-806AB848B0DF}" dt="2023-12-20T11:39:34.091" v="7" actId="1076"/>
+          <ac:chgData name="Southard,Wyatt W.A." userId="bd58111a-1a0a-4f24-908c-42d1f632482e" providerId="ADAL" clId="{01A9132E-D0EE-4999-8D20-806AB848B0DF}" dt="2023-12-20T13:13:22.385" v="1047" actId="1076"/>
           <ac:spMkLst>
             <pc:docMk/>
             <pc:sldMk cId="4288181715" sldId="256"/>
             <ac:spMk id="3" creationId="{0DE0077A-850B-778A-E2E7-BBE4F7ED0F32}"/>
           </ac:spMkLst>
         </pc:spChg>
-        <pc:spChg chg="add mod">
-          <ac:chgData name="Southard,Wyatt W.A." userId="bd58111a-1a0a-4f24-908c-42d1f632482e" providerId="ADAL" clId="{01A9132E-D0EE-4999-8D20-806AB848B0DF}" dt="2023-12-20T11:39:44.518" v="9" actId="1076"/>
+        <pc:spChg chg="add del mod">
+          <ac:chgData name="Southard,Wyatt W.A." userId="bd58111a-1a0a-4f24-908c-42d1f632482e" providerId="ADAL" clId="{01A9132E-D0EE-4999-8D20-806AB848B0DF}" dt="2023-12-20T12:37:40.087" v="811" actId="478"/>
           <ac:spMkLst>
             <pc:docMk/>
             <pc:sldMk cId="4288181715" sldId="256"/>
             <ac:spMk id="4" creationId="{709D5F7F-E2AC-6044-F182-D1C6C1D497D2}"/>
           </ac:spMkLst>
         </pc:spChg>
-        <pc:spChg chg="add mod">
-          <ac:chgData name="Southard,Wyatt W.A." userId="bd58111a-1a0a-4f24-908c-42d1f632482e" providerId="ADAL" clId="{01A9132E-D0EE-4999-8D20-806AB848B0DF}" dt="2023-12-20T11:39:54.301" v="11" actId="1076"/>
+        <pc:spChg chg="add del mod">
+          <ac:chgData name="Southard,Wyatt W.A." userId="bd58111a-1a0a-4f24-908c-42d1f632482e" providerId="ADAL" clId="{01A9132E-D0EE-4999-8D20-806AB848B0DF}" dt="2023-12-20T12:54:52.147" v="956" actId="478"/>
           <ac:spMkLst>
             <pc:docMk/>
             <pc:sldMk cId="4288181715" sldId="256"/>
             <ac:spMk id="5" creationId="{5071D68A-2C81-98AA-4495-307611CE8FA7}"/>
           </ac:spMkLst>
         </pc:spChg>
-        <pc:spChg chg="add mod">
-          <ac:chgData name="Southard,Wyatt W.A." userId="bd58111a-1a0a-4f24-908c-42d1f632482e" providerId="ADAL" clId="{01A9132E-D0EE-4999-8D20-806AB848B0DF}" dt="2023-12-20T11:40:51.172" v="20" actId="1076"/>
+        <pc:spChg chg="add del mod">
+          <ac:chgData name="Southard,Wyatt W.A." userId="bd58111a-1a0a-4f24-908c-42d1f632482e" providerId="ADAL" clId="{01A9132E-D0EE-4999-8D20-806AB848B0DF}" dt="2023-12-20T12:42:29.451" v="860" actId="478"/>
           <ac:spMkLst>
             <pc:docMk/>
             <pc:sldMk cId="4288181715" sldId="256"/>
             <ac:spMk id="6" creationId="{80689443-8C50-347A-1AAF-F00A28BF4E3A}"/>
           </ac:spMkLst>
         </pc:spChg>
-        <pc:spChg chg="add mod">
-          <ac:chgData name="Southard,Wyatt W.A." userId="bd58111a-1a0a-4f24-908c-42d1f632482e" providerId="ADAL" clId="{01A9132E-D0EE-4999-8D20-806AB848B0DF}" dt="2023-12-20T11:40:46.094" v="19" actId="1076"/>
+        <pc:spChg chg="add del mod">
+          <ac:chgData name="Southard,Wyatt W.A." userId="bd58111a-1a0a-4f24-908c-42d1f632482e" providerId="ADAL" clId="{01A9132E-D0EE-4999-8D20-806AB848B0DF}" dt="2023-12-20T12:43:11.389" v="886" actId="478"/>
           <ac:spMkLst>
             <pc:docMk/>
             <pc:sldMk cId="4288181715" sldId="256"/>
             <ac:spMk id="7" creationId="{1EC19ED2-0159-72F2-43C2-82B1BB1D776A}"/>
           </ac:spMkLst>
         </pc:spChg>
+        <pc:spChg chg="add mod">
+          <ac:chgData name="Southard,Wyatt W.A." userId="bd58111a-1a0a-4f24-908c-42d1f632482e" providerId="ADAL" clId="{01A9132E-D0EE-4999-8D20-806AB848B0DF}" dt="2023-12-20T13:13:16.626" v="1046" actId="1076"/>
+          <ac:spMkLst>
+            <pc:docMk/>
+            <pc:sldMk cId="4288181715" sldId="256"/>
+            <ac:spMk id="8" creationId="{CFEF8D95-784B-5450-F62A-1B318A6A1923}"/>
+          </ac:spMkLst>
+        </pc:spChg>
+        <pc:spChg chg="mod">
+          <ac:chgData name="Southard,Wyatt W.A." userId="bd58111a-1a0a-4f24-908c-42d1f632482e" providerId="ADAL" clId="{01A9132E-D0EE-4999-8D20-806AB848B0DF}" dt="2023-12-20T13:12:11.850" v="1044" actId="14100"/>
+          <ac:spMkLst>
+            <pc:docMk/>
+            <pc:sldMk cId="4288181715" sldId="256"/>
+            <ac:spMk id="10" creationId="{50169FCD-3DA4-B8B1-88C5-AD80FD8D6B32}"/>
+          </ac:spMkLst>
+        </pc:spChg>
+        <pc:spChg chg="mod">
+          <ac:chgData name="Southard,Wyatt W.A." userId="bd58111a-1a0a-4f24-908c-42d1f632482e" providerId="ADAL" clId="{01A9132E-D0EE-4999-8D20-806AB848B0DF}" dt="2023-12-20T13:04:27.305" v="1010" actId="34135"/>
+          <ac:spMkLst>
+            <pc:docMk/>
+            <pc:sldMk cId="4288181715" sldId="256"/>
+            <ac:spMk id="11" creationId="{A2B3C810-16B9-68F3-36FF-6EBA31DA683F}"/>
+          </ac:spMkLst>
+        </pc:spChg>
+        <pc:spChg chg="mod">
+          <ac:chgData name="Southard,Wyatt W.A." userId="bd58111a-1a0a-4f24-908c-42d1f632482e" providerId="ADAL" clId="{01A9132E-D0EE-4999-8D20-806AB848B0DF}" dt="2023-12-20T13:04:29.089" v="1011" actId="34135"/>
+          <ac:spMkLst>
+            <pc:docMk/>
+            <pc:sldMk cId="4288181715" sldId="256"/>
+            <ac:spMk id="12" creationId="{D7EFA222-F75B-7083-46BC-75FF6BE41489}"/>
+          </ac:spMkLst>
+        </pc:spChg>
+        <pc:spChg chg="mod">
+          <ac:chgData name="Southard,Wyatt W.A." userId="bd58111a-1a0a-4f24-908c-42d1f632482e" providerId="ADAL" clId="{01A9132E-D0EE-4999-8D20-806AB848B0DF}" dt="2023-12-20T13:10:36.903" v="1038" actId="34135"/>
+          <ac:spMkLst>
+            <pc:docMk/>
+            <pc:sldMk cId="4288181715" sldId="256"/>
+            <ac:spMk id="13" creationId="{A1374C26-2328-D6EB-6ADD-4926B4295AC7}"/>
+          </ac:spMkLst>
+        </pc:spChg>
+        <pc:spChg chg="del mod">
+          <ac:chgData name="Southard,Wyatt W.A." userId="bd58111a-1a0a-4f24-908c-42d1f632482e" providerId="ADAL" clId="{01A9132E-D0EE-4999-8D20-806AB848B0DF}" dt="2023-12-20T12:55:04.704" v="959" actId="478"/>
+          <ac:spMkLst>
+            <pc:docMk/>
+            <pc:sldMk cId="4288181715" sldId="256"/>
+            <ac:spMk id="14" creationId="{04BE960F-7188-25F5-E88B-2A7C0318709C}"/>
+          </ac:spMkLst>
+        </pc:spChg>
+        <pc:spChg chg="del mod">
+          <ac:chgData name="Southard,Wyatt W.A." userId="bd58111a-1a0a-4f24-908c-42d1f632482e" providerId="ADAL" clId="{01A9132E-D0EE-4999-8D20-806AB848B0DF}" dt="2023-12-20T12:43:09.549" v="885" actId="478"/>
+          <ac:spMkLst>
+            <pc:docMk/>
+            <pc:sldMk cId="4288181715" sldId="256"/>
+            <ac:spMk id="17" creationId="{A7233BE0-A697-E22D-EBDF-8210816C8FEA}"/>
+          </ac:spMkLst>
+        </pc:spChg>
+        <pc:spChg chg="mod">
+          <ac:chgData name="Southard,Wyatt W.A." userId="bd58111a-1a0a-4f24-908c-42d1f632482e" providerId="ADAL" clId="{01A9132E-D0EE-4999-8D20-806AB848B0DF}" dt="2023-12-20T13:10:23.131" v="1035" actId="34135"/>
+          <ac:spMkLst>
+            <pc:docMk/>
+            <pc:sldMk cId="4288181715" sldId="256"/>
+            <ac:spMk id="18" creationId="{DE091A00-A1BC-68FE-E957-D16E66327E6E}"/>
+          </ac:spMkLst>
+        </pc:spChg>
+        <pc:spChg chg="add del mod">
+          <ac:chgData name="Southard,Wyatt W.A." userId="bd58111a-1a0a-4f24-908c-42d1f632482e" providerId="ADAL" clId="{01A9132E-D0EE-4999-8D20-806AB848B0DF}" dt="2023-12-20T12:53:45.370" v="950" actId="478"/>
+          <ac:spMkLst>
+            <pc:docMk/>
+            <pc:sldMk cId="4288181715" sldId="256"/>
+            <ac:spMk id="19" creationId="{D0FD578E-3E7E-AB53-C68E-110E6CBA6D21}"/>
+          </ac:spMkLst>
+        </pc:spChg>
+        <pc:spChg chg="add del mod">
+          <ac:chgData name="Southard,Wyatt W.A." userId="bd58111a-1a0a-4f24-908c-42d1f632482e" providerId="ADAL" clId="{01A9132E-D0EE-4999-8D20-806AB848B0DF}" dt="2023-12-20T12:53:42.913" v="949"/>
+          <ac:spMkLst>
+            <pc:docMk/>
+            <pc:sldMk cId="4288181715" sldId="256"/>
+            <ac:spMk id="20" creationId="{20A235E6-10A4-275C-A4D0-67BDEFFC9A6E}"/>
+          </ac:spMkLst>
+        </pc:spChg>
+        <pc:spChg chg="add mod">
+          <ac:chgData name="Southard,Wyatt W.A." userId="bd58111a-1a0a-4f24-908c-42d1f632482e" providerId="ADAL" clId="{01A9132E-D0EE-4999-8D20-806AB848B0DF}" dt="2023-12-20T13:04:25.063" v="1009" actId="34135"/>
+          <ac:spMkLst>
+            <pc:docMk/>
+            <pc:sldMk cId="4288181715" sldId="256"/>
+            <ac:spMk id="25" creationId="{DED89C79-3B92-9A20-73EA-ACF4A4EB4F7A}"/>
+          </ac:spMkLst>
+        </pc:spChg>
+        <pc:spChg chg="add mod">
+          <ac:chgData name="Southard,Wyatt W.A." userId="bd58111a-1a0a-4f24-908c-42d1f632482e" providerId="ADAL" clId="{01A9132E-D0EE-4999-8D20-806AB848B0DF}" dt="2023-12-20T13:14:33.947" v="1061" actId="6549"/>
+          <ac:spMkLst>
+            <pc:docMk/>
+            <pc:sldMk cId="4288181715" sldId="256"/>
+            <ac:spMk id="30" creationId="{60DB3BA2-0B33-3342-1024-35B578617B03}"/>
+          </ac:spMkLst>
+        </pc:spChg>
+        <pc:spChg chg="add mod">
+          <ac:chgData name="Southard,Wyatt W.A." userId="bd58111a-1a0a-4f24-908c-42d1f632482e" providerId="ADAL" clId="{01A9132E-D0EE-4999-8D20-806AB848B0DF}" dt="2023-12-20T13:14:38.188" v="1062" actId="6549"/>
+          <ac:spMkLst>
+            <pc:docMk/>
+            <pc:sldMk cId="4288181715" sldId="256"/>
+            <ac:spMk id="31" creationId="{35ADA706-18BB-E724-EDA1-57C94033E371}"/>
+          </ac:spMkLst>
+        </pc:spChg>
+        <pc:spChg chg="add mod">
+          <ac:chgData name="Southard,Wyatt W.A." userId="bd58111a-1a0a-4f24-908c-42d1f632482e" providerId="ADAL" clId="{01A9132E-D0EE-4999-8D20-806AB848B0DF}" dt="2023-12-20T13:15:30.487" v="1071" actId="14100"/>
+          <ac:spMkLst>
+            <pc:docMk/>
+            <pc:sldMk cId="4288181715" sldId="256"/>
+            <ac:spMk id="32" creationId="{BE63BC81-A8D3-4ABC-3792-522663C9C803}"/>
+          </ac:spMkLst>
+        </pc:spChg>
+        <pc:spChg chg="mod">
+          <ac:chgData name="Southard,Wyatt W.A." userId="bd58111a-1a0a-4f24-908c-42d1f632482e" providerId="ADAL" clId="{01A9132E-D0EE-4999-8D20-806AB848B0DF}" dt="2023-12-20T13:04:54.892" v="1018" actId="34135"/>
+          <ac:spMkLst>
+            <pc:docMk/>
+            <pc:sldMk cId="4288181715" sldId="256"/>
+            <ac:spMk id="34" creationId="{83E9BACD-2ACF-E8E2-317E-B84B167B9BE0}"/>
+          </ac:spMkLst>
+        </pc:spChg>
+        <pc:spChg chg="mod">
+          <ac:chgData name="Southard,Wyatt W.A." userId="bd58111a-1a0a-4f24-908c-42d1f632482e" providerId="ADAL" clId="{01A9132E-D0EE-4999-8D20-806AB848B0DF}" dt="2023-12-20T13:11:23.710" v="1042" actId="34135"/>
+          <ac:spMkLst>
+            <pc:docMk/>
+            <pc:sldMk cId="4288181715" sldId="256"/>
+            <ac:spMk id="35" creationId="{C9D43119-4B54-2295-82DB-9D4CDC1EF59A}"/>
+          </ac:spMkLst>
+        </pc:spChg>
+        <pc:spChg chg="mod">
+          <ac:chgData name="Southard,Wyatt W.A." userId="bd58111a-1a0a-4f24-908c-42d1f632482e" providerId="ADAL" clId="{01A9132E-D0EE-4999-8D20-806AB848B0DF}" dt="2023-12-20T13:05:26.272" v="1024" actId="34135"/>
+          <ac:spMkLst>
+            <pc:docMk/>
+            <pc:sldMk cId="4288181715" sldId="256"/>
+            <ac:spMk id="36" creationId="{27E6F2A2-0AFC-C93F-1968-EAEB5EB8FABC}"/>
+          </ac:spMkLst>
+        </pc:spChg>
+        <pc:spChg chg="mod ord">
+          <ac:chgData name="Southard,Wyatt W.A." userId="bd58111a-1a0a-4f24-908c-42d1f632482e" providerId="ADAL" clId="{01A9132E-D0EE-4999-8D20-806AB848B0DF}" dt="2023-12-20T13:05:28.441" v="1025" actId="34135"/>
+          <ac:spMkLst>
+            <pc:docMk/>
+            <pc:sldMk cId="4288181715" sldId="256"/>
+            <ac:spMk id="37" creationId="{0E9938C7-B45A-81F1-8E4C-F815C6435BC7}"/>
+          </ac:spMkLst>
+        </pc:spChg>
+        <pc:spChg chg="del mod">
+          <ac:chgData name="Southard,Wyatt W.A." userId="bd58111a-1a0a-4f24-908c-42d1f632482e" providerId="ADAL" clId="{01A9132E-D0EE-4999-8D20-806AB848B0DF}" dt="2023-12-20T12:43:14.805" v="888" actId="478"/>
+          <ac:spMkLst>
+            <pc:docMk/>
+            <pc:sldMk cId="4288181715" sldId="256"/>
+            <ac:spMk id="38" creationId="{0D3A3074-3D99-2024-8D2C-7DE7879AE1A7}"/>
+          </ac:spMkLst>
+        </pc:spChg>
+        <pc:spChg chg="mod">
+          <ac:chgData name="Southard,Wyatt W.A." userId="bd58111a-1a0a-4f24-908c-42d1f632482e" providerId="ADAL" clId="{01A9132E-D0EE-4999-8D20-806AB848B0DF}" dt="2023-12-20T13:10:25.083" v="1036" actId="34135"/>
+          <ac:spMkLst>
+            <pc:docMk/>
+            <pc:sldMk cId="4288181715" sldId="256"/>
+            <ac:spMk id="41" creationId="{D3C75B32-CE17-EF96-2847-E65F58FB448D}"/>
+          </ac:spMkLst>
+        </pc:spChg>
+        <pc:picChg chg="add mod">
+          <ac:chgData name="Southard,Wyatt W.A." userId="bd58111a-1a0a-4f24-908c-42d1f632482e" providerId="ADAL" clId="{01A9132E-D0EE-4999-8D20-806AB848B0DF}" dt="2023-12-20T13:13:26.542" v="1049" actId="1076"/>
+          <ac:picMkLst>
+            <pc:docMk/>
+            <pc:sldMk cId="4288181715" sldId="256"/>
+            <ac:picMk id="16" creationId="{BAD3EAB4-BBB2-B837-10EA-3FFF7E2874AA}"/>
+          </ac:picMkLst>
+        </pc:picChg>
+        <pc:picChg chg="add mod">
+          <ac:chgData name="Southard,Wyatt W.A." userId="bd58111a-1a0a-4f24-908c-42d1f632482e" providerId="ADAL" clId="{01A9132E-D0EE-4999-8D20-806AB848B0DF}" dt="2023-12-20T13:13:42.769" v="1050" actId="1076"/>
+          <ac:picMkLst>
+            <pc:docMk/>
+            <pc:sldMk cId="4288181715" sldId="256"/>
+            <ac:picMk id="22" creationId="{4858A5E4-9DFF-C2F2-AD37-EC0EBE49161B}"/>
+          </ac:picMkLst>
+        </pc:picChg>
+        <pc:picChg chg="add mod">
+          <ac:chgData name="Southard,Wyatt W.A." userId="bd58111a-1a0a-4f24-908c-42d1f632482e" providerId="ADAL" clId="{01A9132E-D0EE-4999-8D20-806AB848B0DF}" dt="2023-12-20T13:03:05.098" v="994" actId="1076"/>
+          <ac:picMkLst>
+            <pc:docMk/>
+            <pc:sldMk cId="4288181715" sldId="256"/>
+            <ac:picMk id="24" creationId="{415988CA-1AE4-9561-4229-7908B653F796}"/>
+          </ac:picMkLst>
+        </pc:picChg>
+        <pc:picChg chg="add del">
+          <ac:chgData name="Southard,Wyatt W.A." userId="bd58111a-1a0a-4f24-908c-42d1f632482e" providerId="ADAL" clId="{01A9132E-D0EE-4999-8D20-806AB848B0DF}" dt="2023-12-20T13:04:19.723" v="1008" actId="478"/>
+          <ac:picMkLst>
+            <pc:docMk/>
+            <pc:sldMk cId="4288181715" sldId="256"/>
+            <ac:picMk id="27" creationId="{8E9021E3-28A6-A7CE-8DF0-EC0AB95B83B9}"/>
+          </ac:picMkLst>
+        </pc:picChg>
+        <pc:picChg chg="add del">
+          <ac:chgData name="Southard,Wyatt W.A." userId="bd58111a-1a0a-4f24-908c-42d1f632482e" providerId="ADAL" clId="{01A9132E-D0EE-4999-8D20-806AB848B0DF}" dt="2023-12-20T13:13:50.201" v="1052" actId="478"/>
+          <ac:picMkLst>
+            <pc:docMk/>
+            <pc:sldMk cId="4288181715" sldId="256"/>
+            <ac:picMk id="29" creationId="{B86F2A26-A755-CDBD-B107-39822A49B6F6}"/>
+          </ac:picMkLst>
+        </pc:picChg>
+        <pc:picChg chg="add del mod">
+          <ac:chgData name="Southard,Wyatt W.A." userId="bd58111a-1a0a-4f24-908c-42d1f632482e" providerId="ADAL" clId="{01A9132E-D0EE-4999-8D20-806AB848B0DF}" dt="2023-12-20T12:17:16.305" v="797"/>
+          <ac:picMkLst>
+            <pc:docMk/>
+            <pc:sldMk cId="4288181715" sldId="256"/>
+            <ac:picMk id="1026" creationId="{03B76A75-B336-445C-3FD7-57F9647914BF}"/>
+          </ac:picMkLst>
+        </pc:picChg>
+        <pc:picChg chg="add del mod">
+          <ac:chgData name="Southard,Wyatt W.A." userId="bd58111a-1a0a-4f24-908c-42d1f632482e" providerId="ADAL" clId="{01A9132E-D0EE-4999-8D20-806AB848B0DF}" dt="2023-12-20T12:53:35.599" v="934" actId="478"/>
+          <ac:picMkLst>
+            <pc:docMk/>
+            <pc:sldMk cId="4288181715" sldId="256"/>
+            <ac:picMk id="1028" creationId="{22075896-B35B-5663-E4BD-D73CC0595EFF}"/>
+          </ac:picMkLst>
+        </pc:picChg>
       </pc:sldChg>
     </pc:docChg>
   </pc:docChgLst>
@@ -3112,14 +3328,14 @@
             </a:extLst>
           </p:cNvPr>
           <p:cNvSpPr>
-            <a:spLocks noGrp="1" noRot="1" noMove="1" noResize="1" noEditPoints="1" noAdjustHandles="1" noChangeArrowheads="1" noChangeShapeType="1"/>
+            <a:spLocks/>
           </p:cNvSpPr>
           <p:nvPr/>
         </p:nvSpPr>
         <p:spPr>
           <a:xfrm>
-            <a:off x="680720" y="1216773"/>
-            <a:ext cx="8229600" cy="1534047"/>
+            <a:off x="243841" y="1106648"/>
+            <a:ext cx="9123678" cy="1703651"/>
           </a:xfrm>
           <a:prstGeom prst="rect">
             <a:avLst/>
@@ -3172,8 +3388,8 @@
         </p:nvSpPr>
         <p:spPr>
           <a:xfrm>
-            <a:off x="690878" y="2927079"/>
-            <a:ext cx="3979504" cy="3011536"/>
+            <a:off x="243840" y="2933587"/>
+            <a:ext cx="4456311" cy="3467214"/>
           </a:xfrm>
           <a:prstGeom prst="rect">
             <a:avLst/>
@@ -3226,8 +3442,8 @@
         </p:nvSpPr>
         <p:spPr>
           <a:xfrm>
-            <a:off x="4930815" y="2927076"/>
-            <a:ext cx="3979504" cy="3011536"/>
+            <a:off x="4930814" y="2927075"/>
+            <a:ext cx="4436705" cy="3473725"/>
           </a:xfrm>
           <a:prstGeom prst="rect">
             <a:avLst/>
@@ -3280,8 +3496,8 @@
         </p:nvSpPr>
         <p:spPr>
           <a:xfrm>
-            <a:off x="690882" y="6114872"/>
-            <a:ext cx="3979500" cy="3061214"/>
+            <a:off x="243840" y="8655146"/>
+            <a:ext cx="9123679" cy="3138292"/>
           </a:xfrm>
           <a:prstGeom prst="rect">
             <a:avLst/>
@@ -3320,10 +3536,10 @@
       </p:sp>
       <p:sp>
         <p:nvSpPr>
-          <p:cNvPr id="14" name="Rectangle 13">
+          <p:cNvPr id="18" name="Rectangle: Diagonal Corners Snipped 17">
             <a:extLst>
               <a:ext uri="{FF2B5EF4-FFF2-40B4-BE49-F238E27FC236}">
-                <a16:creationId xmlns:a16="http://schemas.microsoft.com/office/drawing/2014/main" id="{04BE960F-7188-25F5-E88B-2A7C0318709C}"/>
+                <a16:creationId xmlns:a16="http://schemas.microsoft.com/office/drawing/2014/main" id="{DE091A00-A1BC-68FE-E957-D16E66327E6E}"/>
               </a:ext>
             </a:extLst>
           </p:cNvPr>
@@ -3334,10 +3550,10 @@
         </p:nvSpPr>
         <p:spPr>
           <a:xfrm>
-            <a:off x="4930816" y="6114870"/>
-            <a:ext cx="3979504" cy="3061216"/>
-          </a:xfrm>
-          <a:prstGeom prst="rect">
+            <a:off x="690879" y="11916725"/>
+            <a:ext cx="8219441" cy="815726"/>
+          </a:xfrm>
+          <a:prstGeom prst="snip2DiagRect">
             <a:avLst/>
           </a:prstGeom>
           <a:solidFill>
@@ -3368,16 +3584,16 @@
           <a:lstStyle/>
           <a:p>
             <a:pPr algn="ctr"/>
-            <a:endParaRPr lang="en-US"/>
-          </a:p>
-        </p:txBody>
-      </p:sp>
-      <p:sp>
-        <p:nvSpPr>
-          <p:cNvPr id="17" name="Rectangle 16">
+            <a:endParaRPr lang="en-US" dirty="0"/>
+          </a:p>
+        </p:txBody>
+      </p:sp>
+      <p:sp>
+        <p:nvSpPr>
+          <p:cNvPr id="33" name="Rectangle 32">
             <a:extLst>
               <a:ext uri="{FF2B5EF4-FFF2-40B4-BE49-F238E27FC236}">
-                <a16:creationId xmlns:a16="http://schemas.microsoft.com/office/drawing/2014/main" id="{A7233BE0-A697-E22D-EBDF-8210816C8FEA}"/>
+                <a16:creationId xmlns:a16="http://schemas.microsoft.com/office/drawing/2014/main" id="{ACAE8D44-D86E-78D8-5969-805A55F75836}"/>
               </a:ext>
             </a:extLst>
           </p:cNvPr>
@@ -3388,18 +3604,12 @@
         </p:nvSpPr>
         <p:spPr>
           <a:xfrm>
-            <a:off x="680719" y="9352344"/>
-            <a:ext cx="8229600" cy="2232483"/>
+            <a:off x="3908641" y="1216571"/>
+            <a:ext cx="1794076" cy="299511"/>
           </a:xfrm>
           <a:prstGeom prst="rect">
             <a:avLst/>
           </a:prstGeom>
-          <a:solidFill>
-            <a:schemeClr val="accent1">
-              <a:lumMod val="60000"/>
-              <a:lumOff val="40000"/>
-            </a:schemeClr>
-          </a:solidFill>
         </p:spPr>
         <p:style>
           <a:lnRef idx="2">
@@ -3422,16 +3632,19 @@
           <a:lstStyle/>
           <a:p>
             <a:pPr algn="ctr"/>
-            <a:endParaRPr lang="en-US" dirty="0"/>
-          </a:p>
-        </p:txBody>
-      </p:sp>
-      <p:sp>
-        <p:nvSpPr>
-          <p:cNvPr id="18" name="Rectangle: Diagonal Corners Snipped 17">
+            <a:r>
+              <a:rPr lang="en-US" sz="2000" dirty="0"/>
+              <a:t>Introduction</a:t>
+            </a:r>
+          </a:p>
+        </p:txBody>
+      </p:sp>
+      <p:sp>
+        <p:nvSpPr>
+          <p:cNvPr id="34" name="Rectangle 33">
             <a:extLst>
               <a:ext uri="{FF2B5EF4-FFF2-40B4-BE49-F238E27FC236}">
-                <a16:creationId xmlns:a16="http://schemas.microsoft.com/office/drawing/2014/main" id="{DE091A00-A1BC-68FE-E957-D16E66327E6E}"/>
+                <a16:creationId xmlns:a16="http://schemas.microsoft.com/office/drawing/2014/main" id="{83E9BACD-2ACF-E8E2-317E-B84B167B9BE0}"/>
               </a:ext>
             </a:extLst>
           </p:cNvPr>
@@ -3442,18 +3655,12 @@
         </p:nvSpPr>
         <p:spPr>
           <a:xfrm>
-            <a:off x="690879" y="11716356"/>
-            <a:ext cx="8219441" cy="815726"/>
-          </a:xfrm>
-          <a:prstGeom prst="snip2DiagRect">
+            <a:off x="1574957" y="2938906"/>
+            <a:ext cx="1794076" cy="299511"/>
+          </a:xfrm>
+          <a:prstGeom prst="rect">
             <a:avLst/>
           </a:prstGeom>
-          <a:solidFill>
-            <a:schemeClr val="accent1">
-              <a:lumMod val="60000"/>
-              <a:lumOff val="40000"/>
-            </a:schemeClr>
-          </a:solidFill>
         </p:spPr>
         <p:style>
           <a:lnRef idx="2">
@@ -3476,16 +3683,19 @@
           <a:lstStyle/>
           <a:p>
             <a:pPr algn="ctr"/>
-            <a:endParaRPr lang="en-US" dirty="0"/>
-          </a:p>
-        </p:txBody>
-      </p:sp>
-      <p:sp>
-        <p:nvSpPr>
-          <p:cNvPr id="33" name="Rectangle 32">
+            <a:r>
+              <a:rPr lang="en-US" sz="2000" dirty="0"/>
+              <a:t>Hardware</a:t>
+            </a:r>
+          </a:p>
+        </p:txBody>
+      </p:sp>
+      <p:sp>
+        <p:nvSpPr>
+          <p:cNvPr id="35" name="Rectangle 34">
             <a:extLst>
               <a:ext uri="{FF2B5EF4-FFF2-40B4-BE49-F238E27FC236}">
-                <a16:creationId xmlns:a16="http://schemas.microsoft.com/office/drawing/2014/main" id="{ACAE8D44-D86E-78D8-5969-805A55F75836}"/>
+                <a16:creationId xmlns:a16="http://schemas.microsoft.com/office/drawing/2014/main" id="{C9D43119-4B54-2295-82DB-9D4CDC1EF59A}"/>
               </a:ext>
             </a:extLst>
           </p:cNvPr>
@@ -3496,7 +3706,7 @@
         </p:nvSpPr>
         <p:spPr>
           <a:xfrm>
-            <a:off x="3908641" y="1216571"/>
+            <a:off x="6252128" y="2937127"/>
             <a:ext cx="1794076" cy="299511"/>
           </a:xfrm>
           <a:prstGeom prst="rect">
@@ -3526,28 +3736,28 @@
             <a:pPr algn="ctr"/>
             <a:r>
               <a:rPr lang="en-US" sz="2000" dirty="0"/>
-              <a:t>Introduction</a:t>
-            </a:r>
-          </a:p>
-        </p:txBody>
-      </p:sp>
-      <p:sp>
-        <p:nvSpPr>
-          <p:cNvPr id="34" name="Rectangle 33">
+              <a:t>Software</a:t>
+            </a:r>
+          </a:p>
+        </p:txBody>
+      </p:sp>
+      <p:sp>
+        <p:nvSpPr>
+          <p:cNvPr id="36" name="Rectangle 35">
             <a:extLst>
               <a:ext uri="{FF2B5EF4-FFF2-40B4-BE49-F238E27FC236}">
-                <a16:creationId xmlns:a16="http://schemas.microsoft.com/office/drawing/2014/main" id="{83E9BACD-2ACF-E8E2-317E-B84B167B9BE0}"/>
+                <a16:creationId xmlns:a16="http://schemas.microsoft.com/office/drawing/2014/main" id="{27E6F2A2-0AFC-C93F-1968-EAEB5EB8FABC}"/>
               </a:ext>
             </a:extLst>
           </p:cNvPr>
           <p:cNvSpPr>
-            <a:spLocks/>
+            <a:spLocks noGrp="1" noRot="1" noMove="1" noResize="1" noEditPoints="1" noAdjustHandles="1" noChangeArrowheads="1" noChangeShapeType="1"/>
           </p:cNvSpPr>
           <p:nvPr/>
         </p:nvSpPr>
         <p:spPr>
           <a:xfrm>
-            <a:off x="1783592" y="2927076"/>
+            <a:off x="3908641" y="8655143"/>
             <a:ext cx="1794076" cy="299511"/>
           </a:xfrm>
           <a:prstGeom prst="rect">
@@ -3577,17 +3787,17 @@
             <a:pPr algn="ctr"/>
             <a:r>
               <a:rPr lang="en-US" sz="2000" dirty="0"/>
-              <a:t>Hardware</a:t>
-            </a:r>
-          </a:p>
-        </p:txBody>
-      </p:sp>
-      <p:sp>
-        <p:nvSpPr>
-          <p:cNvPr id="35" name="Rectangle 34">
+              <a:t>Realization</a:t>
+            </a:r>
+          </a:p>
+        </p:txBody>
+      </p:sp>
+      <p:sp>
+        <p:nvSpPr>
+          <p:cNvPr id="40" name="Rectangle 39">
             <a:extLst>
               <a:ext uri="{FF2B5EF4-FFF2-40B4-BE49-F238E27FC236}">
-                <a16:creationId xmlns:a16="http://schemas.microsoft.com/office/drawing/2014/main" id="{C9D43119-4B54-2295-82DB-9D4CDC1EF59A}"/>
+                <a16:creationId xmlns:a16="http://schemas.microsoft.com/office/drawing/2014/main" id="{F0166BCB-A37B-855D-AAA7-B61486E1B762}"/>
               </a:ext>
             </a:extLst>
           </p:cNvPr>
@@ -3598,8 +3808,8 @@
         </p:nvSpPr>
         <p:spPr>
           <a:xfrm>
-            <a:off x="6023532" y="2927075"/>
-            <a:ext cx="1794076" cy="299511"/>
+            <a:off x="2072640" y="386806"/>
+            <a:ext cx="5468112" cy="507274"/>
           </a:xfrm>
           <a:prstGeom prst="rect">
             <a:avLst/>
@@ -3627,18 +3837,18 @@
           <a:p>
             <a:pPr algn="ctr"/>
             <a:r>
-              <a:rPr lang="en-US" sz="2000" dirty="0"/>
-              <a:t>Software</a:t>
-            </a:r>
-          </a:p>
-        </p:txBody>
-      </p:sp>
-      <p:sp>
-        <p:nvSpPr>
-          <p:cNvPr id="36" name="Rectangle 35">
+              <a:rPr lang="en-US" sz="3200" dirty="0"/>
+              <a:t>Battery Hardware Emulator</a:t>
+            </a:r>
+          </a:p>
+        </p:txBody>
+      </p:sp>
+      <p:sp>
+        <p:nvSpPr>
+          <p:cNvPr id="41" name="Rectangle 40">
             <a:extLst>
               <a:ext uri="{FF2B5EF4-FFF2-40B4-BE49-F238E27FC236}">
-                <a16:creationId xmlns:a16="http://schemas.microsoft.com/office/drawing/2014/main" id="{27E6F2A2-0AFC-C93F-1968-EAEB5EB8FABC}"/>
+                <a16:creationId xmlns:a16="http://schemas.microsoft.com/office/drawing/2014/main" id="{D3C75B32-CE17-EF96-2847-E65F58FB448D}"/>
               </a:ext>
             </a:extLst>
           </p:cNvPr>
@@ -3649,8 +3859,8 @@
         </p:nvSpPr>
         <p:spPr>
           <a:xfrm>
-            <a:off x="1783592" y="6114870"/>
-            <a:ext cx="1794076" cy="299511"/>
+            <a:off x="2072640" y="12069378"/>
+            <a:ext cx="5468112" cy="539786"/>
           </a:xfrm>
           <a:prstGeom prst="rect">
             <a:avLst/>
@@ -3673,23 +3883,58 @@
           </a:fontRef>
         </p:style>
         <p:txBody>
-          <a:bodyPr rtlCol="0" anchor="ctr"/>
+          <a:bodyPr wrap="square" rtlCol="0" anchor="ctr"/>
           <a:lstStyle/>
           <a:p>
             <a:pPr algn="ctr"/>
             <a:r>
-              <a:rPr lang="en-US" sz="2000" dirty="0"/>
-              <a:t>PCB</a:t>
-            </a:r>
-          </a:p>
-        </p:txBody>
-      </p:sp>
-      <p:sp>
-        <p:nvSpPr>
-          <p:cNvPr id="37" name="Rectangle 36">
+              <a:rPr lang="en-US" sz="1600" dirty="0"/>
+              <a:t>Hein </a:t>
+            </a:r>
+            <a:r>
+              <a:rPr lang="en-US" sz="1600" dirty="0" err="1"/>
+              <a:t>Verhallen</a:t>
+            </a:r>
+            <a:r>
+              <a:rPr lang="en-US" sz="1600" dirty="0"/>
+              <a:t>, Nikola </a:t>
+            </a:r>
+            <a:r>
+              <a:rPr lang="en-US" sz="1600" dirty="0" err="1"/>
+              <a:t>Panchev</a:t>
+            </a:r>
+            <a:r>
+              <a:rPr lang="en-US" sz="1600" dirty="0"/>
+              <a:t>, Robin van den </a:t>
+            </a:r>
+            <a:r>
+              <a:rPr lang="en-US" sz="1600" dirty="0" err="1"/>
+              <a:t>Dungen</a:t>
+            </a:r>
+            <a:r>
+              <a:rPr lang="en-US" sz="1600" dirty="0"/>
+              <a:t>, </a:t>
+            </a:r>
+          </a:p>
+          <a:p>
+            <a:pPr algn="ctr"/>
+            <a:r>
+              <a:rPr lang="en-US" sz="1600" dirty="0" err="1"/>
+              <a:t>Youri</a:t>
+            </a:r>
+            <a:r>
+              <a:rPr lang="en-US" sz="1600" dirty="0"/>
+              <a:t> Tils, Wyatt Southard</a:t>
+            </a:r>
+          </a:p>
+        </p:txBody>
+      </p:sp>
+      <p:sp>
+        <p:nvSpPr>
+          <p:cNvPr id="43" name="Rectangle 42">
             <a:extLst>
               <a:ext uri="{FF2B5EF4-FFF2-40B4-BE49-F238E27FC236}">
-                <a16:creationId xmlns:a16="http://schemas.microsoft.com/office/drawing/2014/main" id="{0E9938C7-B45A-81F1-8E4C-F815C6435BC7}"/>
+                <a16:creationId xmlns:a16="http://schemas.microsoft.com/office/drawing/2014/main" id="{8FE7C165-3B2E-0EEA-F04B-A6813D274A7D}"/>
               </a:ext>
             </a:extLst>
           </p:cNvPr>
@@ -3700,12 +3945,77 @@
         </p:nvSpPr>
         <p:spPr>
           <a:xfrm>
-            <a:off x="6023532" y="6114868"/>
-            <a:ext cx="1794076" cy="299511"/>
+            <a:off x="709139" y="1552836"/>
+            <a:ext cx="2687652" cy="1044238"/>
           </a:xfrm>
           <a:prstGeom prst="rect">
             <a:avLst/>
           </a:prstGeom>
+        </p:spPr>
+        <p:style>
+          <a:lnRef idx="2">
+            <a:schemeClr val="accent1"/>
+          </a:lnRef>
+          <a:fillRef idx="1">
+            <a:schemeClr val="lt1"/>
+          </a:fillRef>
+          <a:effectRef idx="0">
+            <a:schemeClr val="accent1"/>
+          </a:effectRef>
+          <a:fontRef idx="minor">
+            <a:schemeClr val="dk1"/>
+          </a:fontRef>
+        </p:style>
+        <p:txBody>
+          <a:bodyPr rtlCol="0" anchor="ctr"/>
+          <a:lstStyle/>
+          <a:p>
+            <a:pPr algn="ctr"/>
+            <a:r>
+              <a:rPr lang="en-US" sz="1400" dirty="0"/>
+              <a:t>Fontys Engineering is working with </a:t>
+            </a:r>
+            <a:r>
+              <a:rPr lang="en-US" sz="1400" dirty="0" err="1"/>
+              <a:t>BatteryNL</a:t>
+            </a:r>
+            <a:r>
+              <a:rPr lang="en-US" sz="1400" dirty="0"/>
+              <a:t> to develop a Battery Emulator to test a Battery Management System (BMS). </a:t>
+            </a:r>
+          </a:p>
+        </p:txBody>
+      </p:sp>
+      <p:sp>
+        <p:nvSpPr>
+          <p:cNvPr id="44" name="Rectangle 43">
+            <a:extLst>
+              <a:ext uri="{FF2B5EF4-FFF2-40B4-BE49-F238E27FC236}">
+                <a16:creationId xmlns:a16="http://schemas.microsoft.com/office/drawing/2014/main" id="{AEB22E52-BD65-44E1-6466-355E5C1CB19C}"/>
+              </a:ext>
+            </a:extLst>
+          </p:cNvPr>
+          <p:cNvSpPr>
+            <a:spLocks noGrp="1" noRot="1" noMove="1" noResize="1" noEditPoints="1" noAdjustHandles="1" noChangeArrowheads="1" noChangeShapeType="1"/>
+          </p:cNvSpPr>
+          <p:nvPr/>
+        </p:nvSpPr>
+        <p:spPr>
+          <a:xfrm>
+            <a:off x="3461853" y="1552836"/>
+            <a:ext cx="2687652" cy="1044238"/>
+          </a:xfrm>
+          <a:prstGeom prst="rect">
+            <a:avLst/>
+          </a:prstGeom>
+          <a:solidFill>
+            <a:schemeClr val="bg1"/>
+          </a:solidFill>
+          <a:ln>
+            <a:solidFill>
+              <a:schemeClr val="accent1"/>
+            </a:solidFill>
+          </a:ln>
         </p:spPr>
         <p:style>
           <a:lnRef idx="2">
@@ -3729,18 +4039,71 @@
           <a:p>
             <a:pPr algn="ctr"/>
             <a:r>
-              <a:rPr lang="en-US" sz="2000" dirty="0"/>
-              <a:t>Testing</a:t>
-            </a:r>
-          </a:p>
-        </p:txBody>
-      </p:sp>
-      <p:sp>
-        <p:nvSpPr>
-          <p:cNvPr id="38" name="Rectangle 37">
+              <a:rPr lang="en-US" sz="1400" dirty="0">
+                <a:solidFill>
+                  <a:schemeClr val="tx1"/>
+                </a:solidFill>
+              </a:rPr>
+              <a:t>Modern Batteries are dangerous to test so a BMS is used. Using a battery emulator to test a BMS can avoid these dangers.</a:t>
+            </a:r>
+          </a:p>
+        </p:txBody>
+      </p:sp>
+      <p:sp>
+        <p:nvSpPr>
+          <p:cNvPr id="47" name="Rectangle 46">
             <a:extLst>
               <a:ext uri="{FF2B5EF4-FFF2-40B4-BE49-F238E27FC236}">
-                <a16:creationId xmlns:a16="http://schemas.microsoft.com/office/drawing/2014/main" id="{0D3A3074-3D99-2024-8D2C-7DE7879AE1A7}"/>
+                <a16:creationId xmlns:a16="http://schemas.microsoft.com/office/drawing/2014/main" id="{BDDBF0A3-DF02-E296-831D-F0E2CBF60F55}"/>
+              </a:ext>
+            </a:extLst>
+          </p:cNvPr>
+          <p:cNvSpPr>
+            <a:spLocks noGrp="1" noRot="1" noMove="1" noResize="1" noEditPoints="1" noAdjustHandles="1" noChangeArrowheads="1" noChangeShapeType="1"/>
+          </p:cNvSpPr>
+          <p:nvPr/>
+        </p:nvSpPr>
+        <p:spPr>
+          <a:xfrm>
+            <a:off x="6204410" y="1552836"/>
+            <a:ext cx="2687652" cy="1044238"/>
+          </a:xfrm>
+          <a:prstGeom prst="rect">
+            <a:avLst/>
+          </a:prstGeom>
+        </p:spPr>
+        <p:style>
+          <a:lnRef idx="2">
+            <a:schemeClr val="accent1"/>
+          </a:lnRef>
+          <a:fillRef idx="1">
+            <a:schemeClr val="lt1"/>
+          </a:fillRef>
+          <a:effectRef idx="0">
+            <a:schemeClr val="accent1"/>
+          </a:effectRef>
+          <a:fontRef idx="minor">
+            <a:schemeClr val="dk1"/>
+          </a:fontRef>
+        </p:style>
+        <p:txBody>
+          <a:bodyPr rtlCol="0" anchor="ctr"/>
+          <a:lstStyle/>
+          <a:p>
+            <a:pPr algn="ctr"/>
+            <a:r>
+              <a:rPr lang="en-US" sz="1400" dirty="0"/>
+              <a:t>The goal of this project is to design, build, and test a battery emulator using an iterated method. </a:t>
+            </a:r>
+          </a:p>
+        </p:txBody>
+      </p:sp>
+      <p:sp>
+        <p:nvSpPr>
+          <p:cNvPr id="2" name="Rectangle 1">
+            <a:extLst>
+              <a:ext uri="{FF2B5EF4-FFF2-40B4-BE49-F238E27FC236}">
+                <a16:creationId xmlns:a16="http://schemas.microsoft.com/office/drawing/2014/main" id="{C8D47334-AEA6-65BD-1B4E-07FC7D5A24A5}"/>
               </a:ext>
             </a:extLst>
           </p:cNvPr>
@@ -3749,12 +4112,257 @@
         </p:nvSpPr>
         <p:spPr>
           <a:xfrm>
-            <a:off x="3908641" y="9362501"/>
-            <a:ext cx="1794076" cy="299511"/>
+            <a:off x="1128169" y="3278378"/>
+            <a:ext cx="2687652" cy="1044238"/>
           </a:xfrm>
           <a:prstGeom prst="rect">
             <a:avLst/>
           </a:prstGeom>
+        </p:spPr>
+        <p:style>
+          <a:lnRef idx="2">
+            <a:schemeClr val="accent1"/>
+          </a:lnRef>
+          <a:fillRef idx="1">
+            <a:schemeClr val="lt1"/>
+          </a:fillRef>
+          <a:effectRef idx="0">
+            <a:schemeClr val="accent1"/>
+          </a:effectRef>
+          <a:fontRef idx="minor">
+            <a:schemeClr val="dk1"/>
+          </a:fontRef>
+        </p:style>
+        <p:txBody>
+          <a:bodyPr rtlCol="0" anchor="ctr"/>
+          <a:lstStyle/>
+          <a:p>
+            <a:pPr algn="ctr"/>
+            <a:r>
+              <a:rPr lang="en-US" sz="1400" dirty="0"/>
+              <a:t>First iteration: Li-ion battery cell emulator capable of charging and discharging 100mA current with a voltage controlled by a mechanical resistor</a:t>
+            </a:r>
+          </a:p>
+        </p:txBody>
+      </p:sp>
+      <p:sp>
+        <p:nvSpPr>
+          <p:cNvPr id="3" name="Rectangle 2">
+            <a:extLst>
+              <a:ext uri="{FF2B5EF4-FFF2-40B4-BE49-F238E27FC236}">
+                <a16:creationId xmlns:a16="http://schemas.microsoft.com/office/drawing/2014/main" id="{0DE0077A-850B-778A-E2E7-BBE4F7ED0F32}"/>
+              </a:ext>
+            </a:extLst>
+          </p:cNvPr>
+          <p:cNvSpPr/>
+          <p:nvPr/>
+        </p:nvSpPr>
+        <p:spPr>
+          <a:xfrm>
+            <a:off x="5805340" y="3341194"/>
+            <a:ext cx="2687652" cy="1044238"/>
+          </a:xfrm>
+          <a:prstGeom prst="rect">
+            <a:avLst/>
+          </a:prstGeom>
+        </p:spPr>
+        <p:style>
+          <a:lnRef idx="2">
+            <a:schemeClr val="accent1"/>
+          </a:lnRef>
+          <a:fillRef idx="1">
+            <a:schemeClr val="lt1"/>
+          </a:fillRef>
+          <a:effectRef idx="0">
+            <a:schemeClr val="accent1"/>
+          </a:effectRef>
+          <a:fontRef idx="minor">
+            <a:schemeClr val="dk1"/>
+          </a:fontRef>
+        </p:style>
+        <p:txBody>
+          <a:bodyPr rtlCol="0" anchor="ctr"/>
+          <a:lstStyle/>
+          <a:p>
+            <a:pPr algn="ctr"/>
+            <a:r>
+              <a:rPr lang="en-US" sz="1400" dirty="0"/>
+              <a:t>Second Iteration: the model board PCB is equipped with a microprocessor that can adjust the voltage and temperature </a:t>
+            </a:r>
+          </a:p>
+        </p:txBody>
+      </p:sp>
+      <p:sp>
+        <p:nvSpPr>
+          <p:cNvPr id="8" name="Rectangle 7">
+            <a:extLst>
+              <a:ext uri="{FF2B5EF4-FFF2-40B4-BE49-F238E27FC236}">
+                <a16:creationId xmlns:a16="http://schemas.microsoft.com/office/drawing/2014/main" id="{CFEF8D95-784B-5450-F62A-1B318A6A1923}"/>
+              </a:ext>
+            </a:extLst>
+          </p:cNvPr>
+          <p:cNvSpPr/>
+          <p:nvPr/>
+        </p:nvSpPr>
+        <p:spPr>
+          <a:xfrm>
+            <a:off x="1128169" y="4379145"/>
+            <a:ext cx="2687652" cy="1044238"/>
+          </a:xfrm>
+          <a:prstGeom prst="rect">
+            <a:avLst/>
+          </a:prstGeom>
+        </p:spPr>
+        <p:style>
+          <a:lnRef idx="2">
+            <a:schemeClr val="accent1"/>
+          </a:lnRef>
+          <a:fillRef idx="1">
+            <a:schemeClr val="lt1"/>
+          </a:fillRef>
+          <a:effectRef idx="0">
+            <a:schemeClr val="accent1"/>
+          </a:effectRef>
+          <a:fontRef idx="minor">
+            <a:schemeClr val="dk1"/>
+          </a:fontRef>
+        </p:style>
+        <p:txBody>
+          <a:bodyPr rtlCol="0" anchor="ctr"/>
+          <a:lstStyle/>
+          <a:p>
+            <a:pPr algn="ctr"/>
+            <a:r>
+              <a:rPr lang="en-US" sz="1400" dirty="0"/>
+              <a:t>Second Iteration: Make it modular- a model board PCB to control up to 14 PCB cells that can sink and source current up to 12A </a:t>
+            </a:r>
+          </a:p>
+        </p:txBody>
+      </p:sp>
+      <p:pic>
+        <p:nvPicPr>
+          <p:cNvPr id="16" name="Picture 15" descr="A diagram of a power supply system&#10;&#10;Description automatically generated">
+            <a:extLst>
+              <a:ext uri="{FF2B5EF4-FFF2-40B4-BE49-F238E27FC236}">
+                <a16:creationId xmlns:a16="http://schemas.microsoft.com/office/drawing/2014/main" id="{BAD3EAB4-BBB2-B837-10EA-3FFF7E2874AA}"/>
+              </a:ext>
+            </a:extLst>
+          </p:cNvPr>
+          <p:cNvPicPr>
+            <a:picLocks noChangeAspect="1"/>
+          </p:cNvPicPr>
+          <p:nvPr/>
+        </p:nvPicPr>
+        <p:blipFill>
+          <a:blip r:embed="rId2">
+            <a:extLst>
+              <a:ext uri="{28A0092B-C50C-407E-A947-70E740481C1C}">
+                <a14:useLocalDpi xmlns:a14="http://schemas.microsoft.com/office/drawing/2010/main" val="0"/>
+              </a:ext>
+            </a:extLst>
+          </a:blip>
+          <a:stretch>
+            <a:fillRect/>
+          </a:stretch>
+        </p:blipFill>
+        <p:spPr>
+          <a:xfrm>
+            <a:off x="5910337" y="4487481"/>
+            <a:ext cx="2477657" cy="1387606"/>
+          </a:xfrm>
+          <a:prstGeom prst="rect">
+            <a:avLst/>
+          </a:prstGeom>
+        </p:spPr>
+      </p:pic>
+      <p:pic>
+        <p:nvPicPr>
+          <p:cNvPr id="22" name="Picture 21">
+            <a:extLst>
+              <a:ext uri="{FF2B5EF4-FFF2-40B4-BE49-F238E27FC236}">
+                <a16:creationId xmlns:a16="http://schemas.microsoft.com/office/drawing/2014/main" id="{4858A5E4-9DFF-C2F2-AD37-EC0EBE49161B}"/>
+              </a:ext>
+            </a:extLst>
+          </p:cNvPr>
+          <p:cNvPicPr>
+            <a:picLocks noChangeAspect="1"/>
+          </p:cNvPicPr>
+          <p:nvPr/>
+        </p:nvPicPr>
+        <p:blipFill>
+          <a:blip r:embed="rId3"/>
+          <a:stretch>
+            <a:fillRect/>
+          </a:stretch>
+        </p:blipFill>
+        <p:spPr>
+          <a:xfrm>
+            <a:off x="3573453" y="10110726"/>
+            <a:ext cx="2454291" cy="1509357"/>
+          </a:xfrm>
+          <a:prstGeom prst="rect">
+            <a:avLst/>
+          </a:prstGeom>
+        </p:spPr>
+      </p:pic>
+      <p:pic>
+        <p:nvPicPr>
+          <p:cNvPr id="24" name="Picture 23">
+            <a:extLst>
+              <a:ext uri="{FF2B5EF4-FFF2-40B4-BE49-F238E27FC236}">
+                <a16:creationId xmlns:a16="http://schemas.microsoft.com/office/drawing/2014/main" id="{415988CA-1AE4-9561-4229-7908B653F796}"/>
+              </a:ext>
+            </a:extLst>
+          </p:cNvPr>
+          <p:cNvPicPr>
+            <a:picLocks noChangeAspect="1"/>
+          </p:cNvPicPr>
+          <p:nvPr/>
+        </p:nvPicPr>
+        <p:blipFill>
+          <a:blip r:embed="rId4"/>
+          <a:stretch>
+            <a:fillRect/>
+          </a:stretch>
+        </p:blipFill>
+        <p:spPr>
+          <a:xfrm>
+            <a:off x="449202" y="9008849"/>
+            <a:ext cx="8702794" cy="1036410"/>
+          </a:xfrm>
+          <a:prstGeom prst="rect">
+            <a:avLst/>
+          </a:prstGeom>
+        </p:spPr>
+      </p:pic>
+      <p:sp>
+        <p:nvSpPr>
+          <p:cNvPr id="25" name="Rectangle 24">
+            <a:extLst>
+              <a:ext uri="{FF2B5EF4-FFF2-40B4-BE49-F238E27FC236}">
+                <a16:creationId xmlns:a16="http://schemas.microsoft.com/office/drawing/2014/main" id="{DED89C79-3B92-9A20-73EA-ACF4A4EB4F7A}"/>
+              </a:ext>
+            </a:extLst>
+          </p:cNvPr>
+          <p:cNvSpPr>
+            <a:spLocks noGrp="1" noRot="1" noMove="1" noResize="1" noEditPoints="1" noAdjustHandles="1" noChangeArrowheads="1" noChangeShapeType="1"/>
+          </p:cNvSpPr>
+          <p:nvPr/>
+        </p:nvSpPr>
+        <p:spPr>
+          <a:xfrm>
+            <a:off x="243841" y="6550555"/>
+            <a:ext cx="9123678" cy="1974298"/>
+          </a:xfrm>
+          <a:prstGeom prst="rect">
+            <a:avLst/>
+          </a:prstGeom>
+          <a:solidFill>
+            <a:schemeClr val="accent1">
+              <a:lumMod val="60000"/>
+              <a:lumOff val="40000"/>
+            </a:schemeClr>
+          </a:solidFill>
         </p:spPr>
         <p:style>
           <a:lnRef idx="2">
@@ -3777,19 +4385,16 @@
           <a:lstStyle/>
           <a:p>
             <a:pPr algn="ctr"/>
-            <a:r>
-              <a:rPr lang="en-US" sz="2000" dirty="0"/>
-              <a:t>Conclusion</a:t>
-            </a:r>
-          </a:p>
-        </p:txBody>
-      </p:sp>
-      <p:sp>
-        <p:nvSpPr>
-          <p:cNvPr id="40" name="Rectangle 39">
+            <a:endParaRPr lang="en-US"/>
+          </a:p>
+        </p:txBody>
+      </p:sp>
+      <p:sp>
+        <p:nvSpPr>
+          <p:cNvPr id="37" name="Rectangle 36">
             <a:extLst>
               <a:ext uri="{FF2B5EF4-FFF2-40B4-BE49-F238E27FC236}">
-                <a16:creationId xmlns:a16="http://schemas.microsoft.com/office/drawing/2014/main" id="{F0166BCB-A37B-855D-AAA7-B61486E1B762}"/>
+                <a16:creationId xmlns:a16="http://schemas.microsoft.com/office/drawing/2014/main" id="{0E9938C7-B45A-81F1-8E4C-F815C6435BC7}"/>
               </a:ext>
             </a:extLst>
           </p:cNvPr>
@@ -3800,8 +4405,8 @@
         </p:nvSpPr>
         <p:spPr>
           <a:xfrm>
-            <a:off x="2072640" y="386806"/>
-            <a:ext cx="5468112" cy="507274"/>
+            <a:off x="3908641" y="6559452"/>
+            <a:ext cx="1794076" cy="299511"/>
           </a:xfrm>
           <a:prstGeom prst="rect">
             <a:avLst/>
@@ -3829,116 +4434,28 @@
           <a:p>
             <a:pPr algn="ctr"/>
             <a:r>
-              <a:rPr lang="en-US" sz="3200" dirty="0"/>
-              <a:t>Battery Hardware Emulator</a:t>
-            </a:r>
-          </a:p>
-        </p:txBody>
-      </p:sp>
-      <p:sp>
-        <p:nvSpPr>
-          <p:cNvPr id="41" name="Rectangle 40">
+              <a:rPr lang="en-US" sz="2000" dirty="0"/>
+              <a:t>Testing</a:t>
+            </a:r>
+          </a:p>
+        </p:txBody>
+      </p:sp>
+      <p:sp>
+        <p:nvSpPr>
+          <p:cNvPr id="30" name="Rectangle 29">
             <a:extLst>
               <a:ext uri="{FF2B5EF4-FFF2-40B4-BE49-F238E27FC236}">
-                <a16:creationId xmlns:a16="http://schemas.microsoft.com/office/drawing/2014/main" id="{D3C75B32-CE17-EF96-2847-E65F58FB448D}"/>
+                <a16:creationId xmlns:a16="http://schemas.microsoft.com/office/drawing/2014/main" id="{60DB3BA2-0B33-3342-1024-35B578617B03}"/>
               </a:ext>
             </a:extLst>
           </p:cNvPr>
-          <p:cNvSpPr>
-            <a:spLocks noGrp="1" noRot="1" noMove="1" noResize="1" noEditPoints="1" noAdjustHandles="1" noChangeArrowheads="1" noChangeShapeType="1"/>
-          </p:cNvSpPr>
+          <p:cNvSpPr/>
           <p:nvPr/>
         </p:nvSpPr>
         <p:spPr>
           <a:xfrm>
-            <a:off x="2072640" y="11875008"/>
-            <a:ext cx="5468112" cy="539786"/>
-          </a:xfrm>
-          <a:prstGeom prst="rect">
-            <a:avLst/>
-          </a:prstGeom>
-        </p:spPr>
-        <p:style>
-          <a:lnRef idx="2">
-            <a:schemeClr val="accent1">
-              <a:shade val="15000"/>
-            </a:schemeClr>
-          </a:lnRef>
-          <a:fillRef idx="1">
-            <a:schemeClr val="accent1"/>
-          </a:fillRef>
-          <a:effectRef idx="0">
-            <a:schemeClr val="accent1"/>
-          </a:effectRef>
-          <a:fontRef idx="minor">
-            <a:schemeClr val="lt1"/>
-          </a:fontRef>
-        </p:style>
-        <p:txBody>
-          <a:bodyPr wrap="square" rtlCol="0" anchor="ctr"/>
-          <a:lstStyle/>
-          <a:p>
-            <a:pPr algn="ctr"/>
-            <a:r>
-              <a:rPr lang="en-US" sz="1600" dirty="0"/>
-              <a:t>Hein </a:t>
-            </a:r>
-            <a:r>
-              <a:rPr lang="en-US" sz="1600" dirty="0" err="1"/>
-              <a:t>Verhallen</a:t>
-            </a:r>
-            <a:r>
-              <a:rPr lang="en-US" sz="1600" dirty="0"/>
-              <a:t>, Nikola </a:t>
-            </a:r>
-            <a:r>
-              <a:rPr lang="en-US" sz="1600" dirty="0" err="1"/>
-              <a:t>Panchev</a:t>
-            </a:r>
-            <a:r>
-              <a:rPr lang="en-US" sz="1600" dirty="0"/>
-              <a:t>, Robin van den </a:t>
-            </a:r>
-            <a:r>
-              <a:rPr lang="en-US" sz="1600" dirty="0" err="1"/>
-              <a:t>Dungen</a:t>
-            </a:r>
-            <a:r>
-              <a:rPr lang="en-US" sz="1600" dirty="0"/>
-              <a:t>, </a:t>
-            </a:r>
-          </a:p>
-          <a:p>
-            <a:pPr algn="ctr"/>
-            <a:r>
-              <a:rPr lang="en-US" sz="1600" dirty="0" err="1"/>
-              <a:t>Youri</a:t>
-            </a:r>
-            <a:r>
-              <a:rPr lang="en-US" sz="1600" dirty="0"/>
-              <a:t> Tils, Wyatt Southard</a:t>
-            </a:r>
-          </a:p>
-        </p:txBody>
-      </p:sp>
-      <p:sp>
-        <p:nvSpPr>
-          <p:cNvPr id="43" name="Rectangle 42">
-            <a:extLst>
-              <a:ext uri="{FF2B5EF4-FFF2-40B4-BE49-F238E27FC236}">
-                <a16:creationId xmlns:a16="http://schemas.microsoft.com/office/drawing/2014/main" id="{8FE7C165-3B2E-0EEA-F04B-A6813D274A7D}"/>
-              </a:ext>
-            </a:extLst>
-          </p:cNvPr>
-          <p:cNvSpPr>
-            <a:spLocks noGrp="1" noRot="1" noMove="1" noResize="1" noEditPoints="1" noAdjustHandles="1" noChangeArrowheads="1" noChangeShapeType="1"/>
-          </p:cNvSpPr>
-          <p:nvPr/>
-        </p:nvSpPr>
-        <p:spPr>
-          <a:xfrm>
-            <a:off x="709139" y="1552836"/>
-            <a:ext cx="2687652" cy="1044238"/>
+            <a:off x="709139" y="10110726"/>
+            <a:ext cx="2687652" cy="1509356"/>
           </a:xfrm>
           <a:prstGeom prst="rect">
             <a:avLst/>
@@ -3963,102 +4480,26 @@
           <a:lstStyle/>
           <a:p>
             <a:pPr algn="ctr"/>
-            <a:r>
-              <a:rPr lang="en-US" sz="1400" dirty="0"/>
-              <a:t>Fontys Engineering is working with </a:t>
-            </a:r>
-            <a:r>
-              <a:rPr lang="en-US" sz="1400" dirty="0" err="1"/>
-              <a:t>BatteryNL</a:t>
-            </a:r>
-            <a:r>
-              <a:rPr lang="en-US" sz="1400" dirty="0"/>
-              <a:t> to develop a Battery Emulator to test a Battery Management System (BMS). </a:t>
-            </a:r>
-          </a:p>
-        </p:txBody>
-      </p:sp>
-      <p:sp>
-        <p:nvSpPr>
-          <p:cNvPr id="44" name="Rectangle 43">
+            <a:endParaRPr lang="en-US" sz="1400" dirty="0"/>
+          </a:p>
+        </p:txBody>
+      </p:sp>
+      <p:sp>
+        <p:nvSpPr>
+          <p:cNvPr id="31" name="Rectangle 30">
             <a:extLst>
               <a:ext uri="{FF2B5EF4-FFF2-40B4-BE49-F238E27FC236}">
-                <a16:creationId xmlns:a16="http://schemas.microsoft.com/office/drawing/2014/main" id="{AEB22E52-BD65-44E1-6466-355E5C1CB19C}"/>
+                <a16:creationId xmlns:a16="http://schemas.microsoft.com/office/drawing/2014/main" id="{35ADA706-18BB-E724-EDA1-57C94033E371}"/>
               </a:ext>
             </a:extLst>
           </p:cNvPr>
-          <p:cNvSpPr>
-            <a:spLocks noGrp="1" noRot="1" noMove="1" noResize="1" noEditPoints="1" noAdjustHandles="1" noChangeArrowheads="1" noChangeShapeType="1"/>
-          </p:cNvSpPr>
+          <p:cNvSpPr/>
           <p:nvPr/>
         </p:nvSpPr>
         <p:spPr>
           <a:xfrm>
-            <a:off x="3461853" y="1552836"/>
-            <a:ext cx="2687652" cy="1044238"/>
-          </a:xfrm>
-          <a:prstGeom prst="rect">
-            <a:avLst/>
-          </a:prstGeom>
-          <a:solidFill>
-            <a:schemeClr val="bg1"/>
-          </a:solidFill>
-          <a:ln>
-            <a:solidFill>
-              <a:schemeClr val="accent1"/>
-            </a:solidFill>
-          </a:ln>
-        </p:spPr>
-        <p:style>
-          <a:lnRef idx="2">
-            <a:schemeClr val="accent1">
-              <a:shade val="15000"/>
-            </a:schemeClr>
-          </a:lnRef>
-          <a:fillRef idx="1">
-            <a:schemeClr val="accent1"/>
-          </a:fillRef>
-          <a:effectRef idx="0">
-            <a:schemeClr val="accent1"/>
-          </a:effectRef>
-          <a:fontRef idx="minor">
-            <a:schemeClr val="lt1"/>
-          </a:fontRef>
-        </p:style>
-        <p:txBody>
-          <a:bodyPr rtlCol="0" anchor="ctr"/>
-          <a:lstStyle/>
-          <a:p>
-            <a:pPr algn="ctr"/>
-            <a:r>
-              <a:rPr lang="en-US" sz="1400" dirty="0">
-                <a:solidFill>
-                  <a:schemeClr val="tx1"/>
-                </a:solidFill>
-              </a:rPr>
-              <a:t>Modern Batteries are dangerous to test so a BMS is used. Using a battery emulator to test a BMS can avoid these dangers.</a:t>
-            </a:r>
-          </a:p>
-        </p:txBody>
-      </p:sp>
-      <p:sp>
-        <p:nvSpPr>
-          <p:cNvPr id="47" name="Rectangle 46">
-            <a:extLst>
-              <a:ext uri="{FF2B5EF4-FFF2-40B4-BE49-F238E27FC236}">
-                <a16:creationId xmlns:a16="http://schemas.microsoft.com/office/drawing/2014/main" id="{BDDBF0A3-DF02-E296-831D-F0E2CBF60F55}"/>
-              </a:ext>
-            </a:extLst>
-          </p:cNvPr>
-          <p:cNvSpPr>
-            <a:spLocks noGrp="1" noRot="1" noMove="1" noResize="1" noEditPoints="1" noAdjustHandles="1" noChangeArrowheads="1" noChangeShapeType="1"/>
-          </p:cNvSpPr>
-          <p:nvPr/>
-        </p:nvSpPr>
-        <p:spPr>
-          <a:xfrm>
-            <a:off x="6204410" y="1552836"/>
-            <a:ext cx="2687652" cy="1044238"/>
+            <a:off x="6252128" y="10110726"/>
+            <a:ext cx="2687652" cy="1509356"/>
           </a:xfrm>
           <a:prstGeom prst="rect">
             <a:avLst/>
@@ -4083,19 +4524,16 @@
           <a:lstStyle/>
           <a:p>
             <a:pPr algn="ctr"/>
-            <a:r>
-              <a:rPr lang="en-US" sz="1400" dirty="0"/>
-              <a:t>The goal of this project is to design, build, and test a battery emulator using an iterated method. </a:t>
-            </a:r>
-          </a:p>
-        </p:txBody>
-      </p:sp>
-      <p:sp>
-        <p:nvSpPr>
-          <p:cNvPr id="2" name="Rectangle 1">
+            <a:endParaRPr lang="en-US" sz="1400" dirty="0"/>
+          </a:p>
+        </p:txBody>
+      </p:sp>
+      <p:sp>
+        <p:nvSpPr>
+          <p:cNvPr id="32" name="Rectangle 31">
             <a:extLst>
               <a:ext uri="{FF2B5EF4-FFF2-40B4-BE49-F238E27FC236}">
-                <a16:creationId xmlns:a16="http://schemas.microsoft.com/office/drawing/2014/main" id="{C8D47334-AEA6-65BD-1B4E-07FC7D5A24A5}"/>
+                <a16:creationId xmlns:a16="http://schemas.microsoft.com/office/drawing/2014/main" id="{BE63BC81-A8D3-4ABC-3792-522663C9C803}"/>
               </a:ext>
             </a:extLst>
           </p:cNvPr>
@@ -4104,228 +4542,8 @@
         </p:nvSpPr>
         <p:spPr>
           <a:xfrm>
-            <a:off x="1336804" y="3278378"/>
-            <a:ext cx="2687652" cy="1044238"/>
-          </a:xfrm>
-          <a:prstGeom prst="rect">
-            <a:avLst/>
-          </a:prstGeom>
-        </p:spPr>
-        <p:style>
-          <a:lnRef idx="2">
-            <a:schemeClr val="accent1"/>
-          </a:lnRef>
-          <a:fillRef idx="1">
-            <a:schemeClr val="lt1"/>
-          </a:fillRef>
-          <a:effectRef idx="0">
-            <a:schemeClr val="accent1"/>
-          </a:effectRef>
-          <a:fontRef idx="minor">
-            <a:schemeClr val="dk1"/>
-          </a:fontRef>
-        </p:style>
-        <p:txBody>
-          <a:bodyPr rtlCol="0" anchor="ctr"/>
-          <a:lstStyle/>
-          <a:p>
-            <a:pPr algn="ctr"/>
-            <a:endParaRPr lang="en-US" sz="1400" dirty="0"/>
-          </a:p>
-        </p:txBody>
-      </p:sp>
-      <p:sp>
-        <p:nvSpPr>
-          <p:cNvPr id="3" name="Rectangle 2">
-            <a:extLst>
-              <a:ext uri="{FF2B5EF4-FFF2-40B4-BE49-F238E27FC236}">
-                <a16:creationId xmlns:a16="http://schemas.microsoft.com/office/drawing/2014/main" id="{0DE0077A-850B-778A-E2E7-BBE4F7ED0F32}"/>
-              </a:ext>
-            </a:extLst>
-          </p:cNvPr>
-          <p:cNvSpPr/>
-          <p:nvPr/>
-        </p:nvSpPr>
-        <p:spPr>
-          <a:xfrm>
-            <a:off x="5576744" y="3278378"/>
-            <a:ext cx="2687652" cy="1044238"/>
-          </a:xfrm>
-          <a:prstGeom prst="rect">
-            <a:avLst/>
-          </a:prstGeom>
-        </p:spPr>
-        <p:style>
-          <a:lnRef idx="2">
-            <a:schemeClr val="accent1"/>
-          </a:lnRef>
-          <a:fillRef idx="1">
-            <a:schemeClr val="lt1"/>
-          </a:fillRef>
-          <a:effectRef idx="0">
-            <a:schemeClr val="accent1"/>
-          </a:effectRef>
-          <a:fontRef idx="minor">
-            <a:schemeClr val="dk1"/>
-          </a:fontRef>
-        </p:style>
-        <p:txBody>
-          <a:bodyPr rtlCol="0" anchor="ctr"/>
-          <a:lstStyle/>
-          <a:p>
-            <a:pPr algn="ctr"/>
-            <a:endParaRPr lang="en-US" sz="1400" dirty="0"/>
-          </a:p>
-        </p:txBody>
-      </p:sp>
-      <p:sp>
-        <p:nvSpPr>
-          <p:cNvPr id="4" name="Rectangle 3">
-            <a:extLst>
-              <a:ext uri="{FF2B5EF4-FFF2-40B4-BE49-F238E27FC236}">
-                <a16:creationId xmlns:a16="http://schemas.microsoft.com/office/drawing/2014/main" id="{709D5F7F-E2AC-6044-F182-D1C6C1D497D2}"/>
-              </a:ext>
-            </a:extLst>
-          </p:cNvPr>
-          <p:cNvSpPr/>
-          <p:nvPr/>
-        </p:nvSpPr>
-        <p:spPr>
-          <a:xfrm>
-            <a:off x="1336804" y="6460652"/>
-            <a:ext cx="2687652" cy="1044238"/>
-          </a:xfrm>
-          <a:prstGeom prst="rect">
-            <a:avLst/>
-          </a:prstGeom>
-        </p:spPr>
-        <p:style>
-          <a:lnRef idx="2">
-            <a:schemeClr val="accent1"/>
-          </a:lnRef>
-          <a:fillRef idx="1">
-            <a:schemeClr val="lt1"/>
-          </a:fillRef>
-          <a:effectRef idx="0">
-            <a:schemeClr val="accent1"/>
-          </a:effectRef>
-          <a:fontRef idx="minor">
-            <a:schemeClr val="dk1"/>
-          </a:fontRef>
-        </p:style>
-        <p:txBody>
-          <a:bodyPr rtlCol="0" anchor="ctr"/>
-          <a:lstStyle/>
-          <a:p>
-            <a:pPr algn="ctr"/>
-            <a:endParaRPr lang="en-US" sz="1400" dirty="0"/>
-          </a:p>
-        </p:txBody>
-      </p:sp>
-      <p:sp>
-        <p:nvSpPr>
-          <p:cNvPr id="5" name="Rectangle 4">
-            <a:extLst>
-              <a:ext uri="{FF2B5EF4-FFF2-40B4-BE49-F238E27FC236}">
-                <a16:creationId xmlns:a16="http://schemas.microsoft.com/office/drawing/2014/main" id="{5071D68A-2C81-98AA-4495-307611CE8FA7}"/>
-              </a:ext>
-            </a:extLst>
-          </p:cNvPr>
-          <p:cNvSpPr/>
-          <p:nvPr/>
-        </p:nvSpPr>
-        <p:spPr>
-          <a:xfrm>
-            <a:off x="5576744" y="6460652"/>
-            <a:ext cx="2687652" cy="1044238"/>
-          </a:xfrm>
-          <a:prstGeom prst="rect">
-            <a:avLst/>
-          </a:prstGeom>
-        </p:spPr>
-        <p:style>
-          <a:lnRef idx="2">
-            <a:schemeClr val="accent1"/>
-          </a:lnRef>
-          <a:fillRef idx="1">
-            <a:schemeClr val="lt1"/>
-          </a:fillRef>
-          <a:effectRef idx="0">
-            <a:schemeClr val="accent1"/>
-          </a:effectRef>
-          <a:fontRef idx="minor">
-            <a:schemeClr val="dk1"/>
-          </a:fontRef>
-        </p:style>
-        <p:txBody>
-          <a:bodyPr rtlCol="0" anchor="ctr"/>
-          <a:lstStyle/>
-          <a:p>
-            <a:pPr algn="ctr"/>
-            <a:endParaRPr lang="en-US" sz="1400" dirty="0"/>
-          </a:p>
-        </p:txBody>
-      </p:sp>
-      <p:sp>
-        <p:nvSpPr>
-          <p:cNvPr id="6" name="Rectangle 5">
-            <a:extLst>
-              <a:ext uri="{FF2B5EF4-FFF2-40B4-BE49-F238E27FC236}">
-                <a16:creationId xmlns:a16="http://schemas.microsoft.com/office/drawing/2014/main" id="{80689443-8C50-347A-1AAF-F00A28BF4E3A}"/>
-              </a:ext>
-            </a:extLst>
-          </p:cNvPr>
-          <p:cNvSpPr/>
-          <p:nvPr/>
-        </p:nvSpPr>
-        <p:spPr>
-          <a:xfrm>
-            <a:off x="890016" y="9842748"/>
-            <a:ext cx="2687652" cy="1410494"/>
-          </a:xfrm>
-          <a:prstGeom prst="rect">
-            <a:avLst/>
-          </a:prstGeom>
-        </p:spPr>
-        <p:style>
-          <a:lnRef idx="2">
-            <a:schemeClr val="accent1"/>
-          </a:lnRef>
-          <a:fillRef idx="1">
-            <a:schemeClr val="lt1"/>
-          </a:fillRef>
-          <a:effectRef idx="0">
-            <a:schemeClr val="accent1"/>
-          </a:effectRef>
-          <a:fontRef idx="minor">
-            <a:schemeClr val="dk1"/>
-          </a:fontRef>
-        </p:style>
-        <p:txBody>
-          <a:bodyPr rtlCol="0" anchor="ctr"/>
-          <a:lstStyle/>
-          <a:p>
-            <a:pPr algn="ctr"/>
-            <a:endParaRPr lang="en-US" sz="1400" dirty="0"/>
-          </a:p>
-        </p:txBody>
-      </p:sp>
-      <p:sp>
-        <p:nvSpPr>
-          <p:cNvPr id="7" name="Rectangle 6">
-            <a:extLst>
-              <a:ext uri="{FF2B5EF4-FFF2-40B4-BE49-F238E27FC236}">
-                <a16:creationId xmlns:a16="http://schemas.microsoft.com/office/drawing/2014/main" id="{1EC19ED2-0159-72F2-43C2-82B1BB1D776A}"/>
-              </a:ext>
-            </a:extLst>
-          </p:cNvPr>
-          <p:cNvSpPr/>
-          <p:nvPr/>
-        </p:nvSpPr>
-        <p:spPr>
-          <a:xfrm>
-            <a:off x="6023532" y="9842748"/>
-            <a:ext cx="2687652" cy="1406015"/>
+            <a:off x="690878" y="6924430"/>
+            <a:ext cx="8201184" cy="1432492"/>
           </a:xfrm>
           <a:prstGeom prst="rect">
             <a:avLst/>

--- a/Documentation/Final_Poster_Presentation.pptx
+++ b/Documentation/Final_Poster_Presentation.pptx
@@ -536,7 +536,7 @@
           <a:p>
             <a:fld id="{0EBC0480-AD76-4764-8B6D-2EB29A2D1AA3}" type="datetimeFigureOut">
               <a:rPr lang="en-US" smtClean="0"/>
-              <a:t>12/20/2023</a:t>
+              <a:t>1/10/2024</a:t>
             </a:fld>
             <a:endParaRPr lang="en-US"/>
           </a:p>
@@ -578,7 +578,7 @@
           <a:p>
             <a:fld id="{C4B2DD76-FF07-4BD5-A48D-1E42CF13DE05}" type="slidenum">
               <a:rPr lang="en-US" smtClean="0"/>
-              <a:t>‹#›</a:t>
+              <a:t>‹nr.›</a:t>
             </a:fld>
             <a:endParaRPr lang="en-US"/>
           </a:p>
@@ -706,7 +706,7 @@
           <a:p>
             <a:fld id="{0EBC0480-AD76-4764-8B6D-2EB29A2D1AA3}" type="datetimeFigureOut">
               <a:rPr lang="en-US" smtClean="0"/>
-              <a:t>12/20/2023</a:t>
+              <a:t>1/10/2024</a:t>
             </a:fld>
             <a:endParaRPr lang="en-US"/>
           </a:p>
@@ -748,7 +748,7 @@
           <a:p>
             <a:fld id="{C4B2DD76-FF07-4BD5-A48D-1E42CF13DE05}" type="slidenum">
               <a:rPr lang="en-US" smtClean="0"/>
-              <a:t>‹#›</a:t>
+              <a:t>‹nr.›</a:t>
             </a:fld>
             <a:endParaRPr lang="en-US"/>
           </a:p>
@@ -886,7 +886,7 @@
           <a:p>
             <a:fld id="{0EBC0480-AD76-4764-8B6D-2EB29A2D1AA3}" type="datetimeFigureOut">
               <a:rPr lang="en-US" smtClean="0"/>
-              <a:t>12/20/2023</a:t>
+              <a:t>1/10/2024</a:t>
             </a:fld>
             <a:endParaRPr lang="en-US"/>
           </a:p>
@@ -928,7 +928,7 @@
           <a:p>
             <a:fld id="{C4B2DD76-FF07-4BD5-A48D-1E42CF13DE05}" type="slidenum">
               <a:rPr lang="en-US" smtClean="0"/>
-              <a:t>‹#›</a:t>
+              <a:t>‹nr.›</a:t>
             </a:fld>
             <a:endParaRPr lang="en-US"/>
           </a:p>
@@ -1056,7 +1056,7 @@
           <a:p>
             <a:fld id="{0EBC0480-AD76-4764-8B6D-2EB29A2D1AA3}" type="datetimeFigureOut">
               <a:rPr lang="en-US" smtClean="0"/>
-              <a:t>12/20/2023</a:t>
+              <a:t>1/10/2024</a:t>
             </a:fld>
             <a:endParaRPr lang="en-US"/>
           </a:p>
@@ -1098,7 +1098,7 @@
           <a:p>
             <a:fld id="{C4B2DD76-FF07-4BD5-A48D-1E42CF13DE05}" type="slidenum">
               <a:rPr lang="en-US" smtClean="0"/>
-              <a:t>‹#›</a:t>
+              <a:t>‹nr.›</a:t>
             </a:fld>
             <a:endParaRPr lang="en-US"/>
           </a:p>
@@ -1300,7 +1300,7 @@
           <a:p>
             <a:fld id="{0EBC0480-AD76-4764-8B6D-2EB29A2D1AA3}" type="datetimeFigureOut">
               <a:rPr lang="en-US" smtClean="0"/>
-              <a:t>12/20/2023</a:t>
+              <a:t>1/10/2024</a:t>
             </a:fld>
             <a:endParaRPr lang="en-US"/>
           </a:p>
@@ -1342,7 +1342,7 @@
           <a:p>
             <a:fld id="{C4B2DD76-FF07-4BD5-A48D-1E42CF13DE05}" type="slidenum">
               <a:rPr lang="en-US" smtClean="0"/>
-              <a:t>‹#›</a:t>
+              <a:t>‹nr.›</a:t>
             </a:fld>
             <a:endParaRPr lang="en-US"/>
           </a:p>
@@ -1532,7 +1532,7 @@
           <a:p>
             <a:fld id="{0EBC0480-AD76-4764-8B6D-2EB29A2D1AA3}" type="datetimeFigureOut">
               <a:rPr lang="en-US" smtClean="0"/>
-              <a:t>12/20/2023</a:t>
+              <a:t>1/10/2024</a:t>
             </a:fld>
             <a:endParaRPr lang="en-US"/>
           </a:p>
@@ -1574,7 +1574,7 @@
           <a:p>
             <a:fld id="{C4B2DD76-FF07-4BD5-A48D-1E42CF13DE05}" type="slidenum">
               <a:rPr lang="en-US" smtClean="0"/>
-              <a:t>‹#›</a:t>
+              <a:t>‹nr.›</a:t>
             </a:fld>
             <a:endParaRPr lang="en-US"/>
           </a:p>
@@ -1899,7 +1899,7 @@
           <a:p>
             <a:fld id="{0EBC0480-AD76-4764-8B6D-2EB29A2D1AA3}" type="datetimeFigureOut">
               <a:rPr lang="en-US" smtClean="0"/>
-              <a:t>12/20/2023</a:t>
+              <a:t>1/10/2024</a:t>
             </a:fld>
             <a:endParaRPr lang="en-US"/>
           </a:p>
@@ -1941,7 +1941,7 @@
           <a:p>
             <a:fld id="{C4B2DD76-FF07-4BD5-A48D-1E42CF13DE05}" type="slidenum">
               <a:rPr lang="en-US" smtClean="0"/>
-              <a:t>‹#›</a:t>
+              <a:t>‹nr.›</a:t>
             </a:fld>
             <a:endParaRPr lang="en-US"/>
           </a:p>
@@ -2017,7 +2017,7 @@
           <a:p>
             <a:fld id="{0EBC0480-AD76-4764-8B6D-2EB29A2D1AA3}" type="datetimeFigureOut">
               <a:rPr lang="en-US" smtClean="0"/>
-              <a:t>12/20/2023</a:t>
+              <a:t>1/10/2024</a:t>
             </a:fld>
             <a:endParaRPr lang="en-US"/>
           </a:p>
@@ -2059,7 +2059,7 @@
           <a:p>
             <a:fld id="{C4B2DD76-FF07-4BD5-A48D-1E42CF13DE05}" type="slidenum">
               <a:rPr lang="en-US" smtClean="0"/>
-              <a:t>‹#›</a:t>
+              <a:t>‹nr.›</a:t>
             </a:fld>
             <a:endParaRPr lang="en-US"/>
           </a:p>
@@ -2112,7 +2112,7 @@
           <a:p>
             <a:fld id="{0EBC0480-AD76-4764-8B6D-2EB29A2D1AA3}" type="datetimeFigureOut">
               <a:rPr lang="en-US" smtClean="0"/>
-              <a:t>12/20/2023</a:t>
+              <a:t>1/10/2024</a:t>
             </a:fld>
             <a:endParaRPr lang="en-US"/>
           </a:p>
@@ -2154,7 +2154,7 @@
           <a:p>
             <a:fld id="{C4B2DD76-FF07-4BD5-A48D-1E42CF13DE05}" type="slidenum">
               <a:rPr lang="en-US" smtClean="0"/>
-              <a:t>‹#›</a:t>
+              <a:t>‹nr.›</a:t>
             </a:fld>
             <a:endParaRPr lang="en-US"/>
           </a:p>
@@ -2389,7 +2389,7 @@
           <a:p>
             <a:fld id="{0EBC0480-AD76-4764-8B6D-2EB29A2D1AA3}" type="datetimeFigureOut">
               <a:rPr lang="en-US" smtClean="0"/>
-              <a:t>12/20/2023</a:t>
+              <a:t>1/10/2024</a:t>
             </a:fld>
             <a:endParaRPr lang="en-US"/>
           </a:p>
@@ -2431,7 +2431,7 @@
           <a:p>
             <a:fld id="{C4B2DD76-FF07-4BD5-A48D-1E42CF13DE05}" type="slidenum">
               <a:rPr lang="en-US" smtClean="0"/>
-              <a:t>‹#›</a:t>
+              <a:t>‹nr.›</a:t>
             </a:fld>
             <a:endParaRPr lang="en-US"/>
           </a:p>
@@ -2646,7 +2646,7 @@
           <a:p>
             <a:fld id="{0EBC0480-AD76-4764-8B6D-2EB29A2D1AA3}" type="datetimeFigureOut">
               <a:rPr lang="en-US" smtClean="0"/>
-              <a:t>12/20/2023</a:t>
+              <a:t>1/10/2024</a:t>
             </a:fld>
             <a:endParaRPr lang="en-US"/>
           </a:p>
@@ -2688,7 +2688,7 @@
           <a:p>
             <a:fld id="{C4B2DD76-FF07-4BD5-A48D-1E42CF13DE05}" type="slidenum">
               <a:rPr lang="en-US" smtClean="0"/>
-              <a:t>‹#›</a:t>
+              <a:t>‹nr.›</a:t>
             </a:fld>
             <a:endParaRPr lang="en-US"/>
           </a:p>
@@ -2859,7 +2859,7 @@
           <a:p>
             <a:fld id="{0EBC0480-AD76-4764-8B6D-2EB29A2D1AA3}" type="datetimeFigureOut">
               <a:rPr lang="en-US" smtClean="0"/>
-              <a:t>12/20/2023</a:t>
+              <a:t>1/10/2024</a:t>
             </a:fld>
             <a:endParaRPr lang="en-US"/>
           </a:p>
@@ -2937,7 +2937,7 @@
           <a:p>
             <a:fld id="{C4B2DD76-FF07-4BD5-A48D-1E42CF13DE05}" type="slidenum">
               <a:rPr lang="en-US" smtClean="0"/>
-              <a:t>‹#›</a:t>
+              <a:t>‹nr.›</a:t>
             </a:fld>
             <a:endParaRPr lang="en-US"/>
           </a:p>
@@ -4187,7 +4187,7 @@
             <a:pPr algn="ctr"/>
             <a:r>
               <a:rPr lang="en-US" sz="1400" dirty="0"/>
-              <a:t>Second Iteration: the model board PCB is equipped with a microprocessor that can adjust the voltage and temperature </a:t>
+              <a:t>Second Iteration: the mother board PCB is equipped with a microcontroller that can adjust the cell voltage and source current </a:t>
             </a:r>
           </a:p>
         </p:txBody>
@@ -4234,7 +4234,7 @@
             <a:pPr algn="ctr"/>
             <a:r>
               <a:rPr lang="en-US" sz="1400" dirty="0"/>
-              <a:t>Second Iteration: Make it modular- a model board PCB to control up to 14 PCB cells that can sink and source current up to 12A </a:t>
+              <a:t>Second Iteration: Make it modular- a mother board PCB to control up to 14 PCB cells that can sink and source current up to 12A </a:t>
             </a:r>
           </a:p>
         </p:txBody>

--- a/Documentation/Final_Poster_Presentation.pptx
+++ b/Documentation/Final_Poster_Presentation.pptx
@@ -112,16 +112,128 @@
 </p:presentation>
 </file>
 
-<file path=ppt/revisionInfo.xml><?xml version="1.0" encoding="utf-8"?>
-<p1510:revInfo xmlns:a="http://schemas.openxmlformats.org/drawingml/2006/main" xmlns:r="http://schemas.openxmlformats.org/officeDocument/2006/relationships" xmlns:p1510="http://schemas.microsoft.com/office/powerpoint/2015/10/main">
-  <p1510:revLst>
-    <p1510:client id="{01A9132E-D0EE-4999-8D20-806AB848B0DF}" v="38" dt="2023-12-20T13:14:46.931"/>
-  </p1510:revLst>
-</p1510:revInfo>
-</file>
-
 <file path=ppt/changesInfos/changesInfo1.xml><?xml version="1.0" encoding="utf-8"?>
 <pc:chgInfo xmlns:a="http://schemas.openxmlformats.org/drawingml/2006/main" xmlns:r="http://schemas.openxmlformats.org/officeDocument/2006/relationships" xmlns:ac="http://schemas.microsoft.com/office/drawing/2013/main/command" xmlns:pc="http://schemas.microsoft.com/office/powerpoint/2013/main/command">
+  <pc:docChgLst>
+    <pc:chgData name="Southard,Wyatt W.A." userId="bd58111a-1a0a-4f24-908c-42d1f632482e" providerId="ADAL" clId="{444E0F0E-1AA2-4B76-9310-22D308682D10}"/>
+    <pc:docChg chg="custSel modSld">
+      <pc:chgData name="Southard,Wyatt W.A." userId="bd58111a-1a0a-4f24-908c-42d1f632482e" providerId="ADAL" clId="{444E0F0E-1AA2-4B76-9310-22D308682D10}" dt="2024-01-16T20:34:49.804" v="81" actId="1076"/>
+      <pc:docMkLst>
+        <pc:docMk/>
+      </pc:docMkLst>
+      <pc:sldChg chg="addSp delSp modSp mod">
+        <pc:chgData name="Southard,Wyatt W.A." userId="bd58111a-1a0a-4f24-908c-42d1f632482e" providerId="ADAL" clId="{444E0F0E-1AA2-4B76-9310-22D308682D10}" dt="2024-01-16T20:34:49.804" v="81" actId="1076"/>
+        <pc:sldMkLst>
+          <pc:docMk/>
+          <pc:sldMk cId="4288181715" sldId="256"/>
+        </pc:sldMkLst>
+        <pc:spChg chg="mod">
+          <ac:chgData name="Southard,Wyatt W.A." userId="bd58111a-1a0a-4f24-908c-42d1f632482e" providerId="ADAL" clId="{444E0F0E-1AA2-4B76-9310-22D308682D10}" dt="2024-01-16T16:25:24.954" v="30" actId="1076"/>
+          <ac:spMkLst>
+            <pc:docMk/>
+            <pc:sldMk cId="4288181715" sldId="256"/>
+            <ac:spMk id="2" creationId="{C8D47334-AEA6-65BD-1B4E-07FC7D5A24A5}"/>
+          </ac:spMkLst>
+        </pc:spChg>
+        <pc:spChg chg="mod">
+          <ac:chgData name="Southard,Wyatt W.A." userId="bd58111a-1a0a-4f24-908c-42d1f632482e" providerId="ADAL" clId="{444E0F0E-1AA2-4B76-9310-22D308682D10}" dt="2024-01-16T16:25:44.988" v="32" actId="1076"/>
+          <ac:spMkLst>
+            <pc:docMk/>
+            <pc:sldMk cId="4288181715" sldId="256"/>
+            <ac:spMk id="3" creationId="{0DE0077A-850B-778A-E2E7-BBE4F7ED0F32}"/>
+          </ac:spMkLst>
+        </pc:spChg>
+        <pc:spChg chg="mod">
+          <ac:chgData name="Southard,Wyatt W.A." userId="bd58111a-1a0a-4f24-908c-42d1f632482e" providerId="ADAL" clId="{444E0F0E-1AA2-4B76-9310-22D308682D10}" dt="2024-01-16T16:25:21.443" v="29" actId="1076"/>
+          <ac:spMkLst>
+            <pc:docMk/>
+            <pc:sldMk cId="4288181715" sldId="256"/>
+            <ac:spMk id="8" creationId="{CFEF8D95-784B-5450-F62A-1B318A6A1923}"/>
+          </ac:spMkLst>
+        </pc:spChg>
+        <pc:spChg chg="del">
+          <ac:chgData name="Southard,Wyatt W.A." userId="bd58111a-1a0a-4f24-908c-42d1f632482e" providerId="ADAL" clId="{444E0F0E-1AA2-4B76-9310-22D308682D10}" dt="2024-01-16T20:28:14.048" v="33" actId="478"/>
+          <ac:spMkLst>
+            <pc:docMk/>
+            <pc:sldMk cId="4288181715" sldId="256"/>
+            <ac:spMk id="30" creationId="{60DB3BA2-0B33-3342-1024-35B578617B03}"/>
+          </ac:spMkLst>
+        </pc:spChg>
+        <pc:spChg chg="del">
+          <ac:chgData name="Southard,Wyatt W.A." userId="bd58111a-1a0a-4f24-908c-42d1f632482e" providerId="ADAL" clId="{444E0F0E-1AA2-4B76-9310-22D308682D10}" dt="2024-01-16T20:28:28.465" v="40" actId="478"/>
+          <ac:spMkLst>
+            <pc:docMk/>
+            <pc:sldMk cId="4288181715" sldId="256"/>
+            <ac:spMk id="31" creationId="{35ADA706-18BB-E724-EDA1-57C94033E371}"/>
+          </ac:spMkLst>
+        </pc:spChg>
+        <pc:spChg chg="mod">
+          <ac:chgData name="Southard,Wyatt W.A." userId="bd58111a-1a0a-4f24-908c-42d1f632482e" providerId="ADAL" clId="{444E0F0E-1AA2-4B76-9310-22D308682D10}" dt="2024-01-16T20:34:34.855" v="79" actId="14100"/>
+          <ac:spMkLst>
+            <pc:docMk/>
+            <pc:sldMk cId="4288181715" sldId="256"/>
+            <ac:spMk id="32" creationId="{BE63BC81-A8D3-4ABC-3792-522663C9C803}"/>
+          </ac:spMkLst>
+        </pc:spChg>
+        <pc:spChg chg="mod">
+          <ac:chgData name="Southard,Wyatt W.A." userId="bd58111a-1a0a-4f24-908c-42d1f632482e" providerId="ADAL" clId="{444E0F0E-1AA2-4B76-9310-22D308682D10}" dt="2024-01-16T14:40:02.911" v="13" actId="20577"/>
+          <ac:spMkLst>
+            <pc:docMk/>
+            <pc:sldMk cId="4288181715" sldId="256"/>
+            <ac:spMk id="37" creationId="{0E9938C7-B45A-81F1-8E4C-F815C6435BC7}"/>
+          </ac:spMkLst>
+        </pc:spChg>
+        <pc:picChg chg="add mod">
+          <ac:chgData name="Southard,Wyatt W.A." userId="bd58111a-1a0a-4f24-908c-42d1f632482e" providerId="ADAL" clId="{444E0F0E-1AA2-4B76-9310-22D308682D10}" dt="2024-01-16T20:34:49.804" v="81" actId="1076"/>
+          <ac:picMkLst>
+            <pc:docMk/>
+            <pc:sldMk cId="4288181715" sldId="256"/>
+            <ac:picMk id="5" creationId="{755D040A-C11E-2D77-8CC1-057981FD4B2A}"/>
+          </ac:picMkLst>
+        </pc:picChg>
+        <pc:picChg chg="add del mod">
+          <ac:chgData name="Southard,Wyatt W.A." userId="bd58111a-1a0a-4f24-908c-42d1f632482e" providerId="ADAL" clId="{444E0F0E-1AA2-4B76-9310-22D308682D10}" dt="2024-01-16T15:11:12.221" v="28" actId="478"/>
+          <ac:picMkLst>
+            <pc:docMk/>
+            <pc:sldMk cId="4288181715" sldId="256"/>
+            <ac:picMk id="7" creationId="{2E85F21E-E8D7-0A56-4567-82E67D92F844}"/>
+          </ac:picMkLst>
+        </pc:picChg>
+        <pc:picChg chg="add mod">
+          <ac:chgData name="Southard,Wyatt W.A." userId="bd58111a-1a0a-4f24-908c-42d1f632482e" providerId="ADAL" clId="{444E0F0E-1AA2-4B76-9310-22D308682D10}" dt="2024-01-16T20:30:46.514" v="54" actId="1076"/>
+          <ac:picMkLst>
+            <pc:docMk/>
+            <pc:sldMk cId="4288181715" sldId="256"/>
+            <ac:picMk id="15" creationId="{83089846-5EDC-D820-DC5F-7CD19D3C8606}"/>
+          </ac:picMkLst>
+        </pc:picChg>
+        <pc:picChg chg="mod">
+          <ac:chgData name="Southard,Wyatt W.A." userId="bd58111a-1a0a-4f24-908c-42d1f632482e" providerId="ADAL" clId="{444E0F0E-1AA2-4B76-9310-22D308682D10}" dt="2024-01-16T16:25:29.627" v="31" actId="1076"/>
+          <ac:picMkLst>
+            <pc:docMk/>
+            <pc:sldMk cId="4288181715" sldId="256"/>
+            <ac:picMk id="16" creationId="{BAD3EAB4-BBB2-B837-10EA-3FFF7E2874AA}"/>
+          </ac:picMkLst>
+        </pc:picChg>
+        <pc:picChg chg="add mod">
+          <ac:chgData name="Southard,Wyatt W.A." userId="bd58111a-1a0a-4f24-908c-42d1f632482e" providerId="ADAL" clId="{444E0F0E-1AA2-4B76-9310-22D308682D10}" dt="2024-01-16T20:30:47.914" v="55" actId="1076"/>
+          <ac:picMkLst>
+            <pc:docMk/>
+            <pc:sldMk cId="4288181715" sldId="256"/>
+            <ac:picMk id="19" creationId="{F5B686A8-213A-FE84-8CE6-C5D1A8753831}"/>
+          </ac:picMkLst>
+        </pc:picChg>
+        <pc:picChg chg="mod">
+          <ac:chgData name="Southard,Wyatt W.A." userId="bd58111a-1a0a-4f24-908c-42d1f632482e" providerId="ADAL" clId="{444E0F0E-1AA2-4B76-9310-22D308682D10}" dt="2024-01-16T20:30:49.762" v="56" actId="1076"/>
+          <ac:picMkLst>
+            <pc:docMk/>
+            <pc:sldMk cId="4288181715" sldId="256"/>
+            <ac:picMk id="22" creationId="{4858A5E4-9DFF-C2F2-AD37-EC0EBE49161B}"/>
+          </ac:picMkLst>
+        </pc:picChg>
+      </pc:sldChg>
+    </pc:docChg>
+  </pc:docChgLst>
   <pc:docChgLst>
     <pc:chgData name="Southard,Wyatt W.A." userId="bd58111a-1a0a-4f24-908c-42d1f632482e" providerId="ADAL" clId="{01A9132E-D0EE-4999-8D20-806AB848B0DF}"/>
     <pc:docChg chg="undo custSel modSld">
@@ -536,7 +648,7 @@
           <a:p>
             <a:fld id="{0EBC0480-AD76-4764-8B6D-2EB29A2D1AA3}" type="datetimeFigureOut">
               <a:rPr lang="en-US" smtClean="0"/>
-              <a:t>1/10/2024</a:t>
+              <a:t>1/16/2024</a:t>
             </a:fld>
             <a:endParaRPr lang="en-US"/>
           </a:p>
@@ -578,7 +690,7 @@
           <a:p>
             <a:fld id="{C4B2DD76-FF07-4BD5-A48D-1E42CF13DE05}" type="slidenum">
               <a:rPr lang="en-US" smtClean="0"/>
-              <a:t>‹nr.›</a:t>
+              <a:t>‹#›</a:t>
             </a:fld>
             <a:endParaRPr lang="en-US"/>
           </a:p>
@@ -706,7 +818,7 @@
           <a:p>
             <a:fld id="{0EBC0480-AD76-4764-8B6D-2EB29A2D1AA3}" type="datetimeFigureOut">
               <a:rPr lang="en-US" smtClean="0"/>
-              <a:t>1/10/2024</a:t>
+              <a:t>1/16/2024</a:t>
             </a:fld>
             <a:endParaRPr lang="en-US"/>
           </a:p>
@@ -748,7 +860,7 @@
           <a:p>
             <a:fld id="{C4B2DD76-FF07-4BD5-A48D-1E42CF13DE05}" type="slidenum">
               <a:rPr lang="en-US" smtClean="0"/>
-              <a:t>‹nr.›</a:t>
+              <a:t>‹#›</a:t>
             </a:fld>
             <a:endParaRPr lang="en-US"/>
           </a:p>
@@ -886,7 +998,7 @@
           <a:p>
             <a:fld id="{0EBC0480-AD76-4764-8B6D-2EB29A2D1AA3}" type="datetimeFigureOut">
               <a:rPr lang="en-US" smtClean="0"/>
-              <a:t>1/10/2024</a:t>
+              <a:t>1/16/2024</a:t>
             </a:fld>
             <a:endParaRPr lang="en-US"/>
           </a:p>
@@ -928,7 +1040,7 @@
           <a:p>
             <a:fld id="{C4B2DD76-FF07-4BD5-A48D-1E42CF13DE05}" type="slidenum">
               <a:rPr lang="en-US" smtClean="0"/>
-              <a:t>‹nr.›</a:t>
+              <a:t>‹#›</a:t>
             </a:fld>
             <a:endParaRPr lang="en-US"/>
           </a:p>
@@ -1056,7 +1168,7 @@
           <a:p>
             <a:fld id="{0EBC0480-AD76-4764-8B6D-2EB29A2D1AA3}" type="datetimeFigureOut">
               <a:rPr lang="en-US" smtClean="0"/>
-              <a:t>1/10/2024</a:t>
+              <a:t>1/16/2024</a:t>
             </a:fld>
             <a:endParaRPr lang="en-US"/>
           </a:p>
@@ -1098,7 +1210,7 @@
           <a:p>
             <a:fld id="{C4B2DD76-FF07-4BD5-A48D-1E42CF13DE05}" type="slidenum">
               <a:rPr lang="en-US" smtClean="0"/>
-              <a:t>‹nr.›</a:t>
+              <a:t>‹#›</a:t>
             </a:fld>
             <a:endParaRPr lang="en-US"/>
           </a:p>
@@ -1300,7 +1412,7 @@
           <a:p>
             <a:fld id="{0EBC0480-AD76-4764-8B6D-2EB29A2D1AA3}" type="datetimeFigureOut">
               <a:rPr lang="en-US" smtClean="0"/>
-              <a:t>1/10/2024</a:t>
+              <a:t>1/16/2024</a:t>
             </a:fld>
             <a:endParaRPr lang="en-US"/>
           </a:p>
@@ -1342,7 +1454,7 @@
           <a:p>
             <a:fld id="{C4B2DD76-FF07-4BD5-A48D-1E42CF13DE05}" type="slidenum">
               <a:rPr lang="en-US" smtClean="0"/>
-              <a:t>‹nr.›</a:t>
+              <a:t>‹#›</a:t>
             </a:fld>
             <a:endParaRPr lang="en-US"/>
           </a:p>
@@ -1532,7 +1644,7 @@
           <a:p>
             <a:fld id="{0EBC0480-AD76-4764-8B6D-2EB29A2D1AA3}" type="datetimeFigureOut">
               <a:rPr lang="en-US" smtClean="0"/>
-              <a:t>1/10/2024</a:t>
+              <a:t>1/16/2024</a:t>
             </a:fld>
             <a:endParaRPr lang="en-US"/>
           </a:p>
@@ -1574,7 +1686,7 @@
           <a:p>
             <a:fld id="{C4B2DD76-FF07-4BD5-A48D-1E42CF13DE05}" type="slidenum">
               <a:rPr lang="en-US" smtClean="0"/>
-              <a:t>‹nr.›</a:t>
+              <a:t>‹#›</a:t>
             </a:fld>
             <a:endParaRPr lang="en-US"/>
           </a:p>
@@ -1899,7 +2011,7 @@
           <a:p>
             <a:fld id="{0EBC0480-AD76-4764-8B6D-2EB29A2D1AA3}" type="datetimeFigureOut">
               <a:rPr lang="en-US" smtClean="0"/>
-              <a:t>1/10/2024</a:t>
+              <a:t>1/16/2024</a:t>
             </a:fld>
             <a:endParaRPr lang="en-US"/>
           </a:p>
@@ -1941,7 +2053,7 @@
           <a:p>
             <a:fld id="{C4B2DD76-FF07-4BD5-A48D-1E42CF13DE05}" type="slidenum">
               <a:rPr lang="en-US" smtClean="0"/>
-              <a:t>‹nr.›</a:t>
+              <a:t>‹#›</a:t>
             </a:fld>
             <a:endParaRPr lang="en-US"/>
           </a:p>
@@ -2017,7 +2129,7 @@
           <a:p>
             <a:fld id="{0EBC0480-AD76-4764-8B6D-2EB29A2D1AA3}" type="datetimeFigureOut">
               <a:rPr lang="en-US" smtClean="0"/>
-              <a:t>1/10/2024</a:t>
+              <a:t>1/16/2024</a:t>
             </a:fld>
             <a:endParaRPr lang="en-US"/>
           </a:p>
@@ -2059,7 +2171,7 @@
           <a:p>
             <a:fld id="{C4B2DD76-FF07-4BD5-A48D-1E42CF13DE05}" type="slidenum">
               <a:rPr lang="en-US" smtClean="0"/>
-              <a:t>‹nr.›</a:t>
+              <a:t>‹#›</a:t>
             </a:fld>
             <a:endParaRPr lang="en-US"/>
           </a:p>
@@ -2112,7 +2224,7 @@
           <a:p>
             <a:fld id="{0EBC0480-AD76-4764-8B6D-2EB29A2D1AA3}" type="datetimeFigureOut">
               <a:rPr lang="en-US" smtClean="0"/>
-              <a:t>1/10/2024</a:t>
+              <a:t>1/16/2024</a:t>
             </a:fld>
             <a:endParaRPr lang="en-US"/>
           </a:p>
@@ -2154,7 +2266,7 @@
           <a:p>
             <a:fld id="{C4B2DD76-FF07-4BD5-A48D-1E42CF13DE05}" type="slidenum">
               <a:rPr lang="en-US" smtClean="0"/>
-              <a:t>‹nr.›</a:t>
+              <a:t>‹#›</a:t>
             </a:fld>
             <a:endParaRPr lang="en-US"/>
           </a:p>
@@ -2389,7 +2501,7 @@
           <a:p>
             <a:fld id="{0EBC0480-AD76-4764-8B6D-2EB29A2D1AA3}" type="datetimeFigureOut">
               <a:rPr lang="en-US" smtClean="0"/>
-              <a:t>1/10/2024</a:t>
+              <a:t>1/16/2024</a:t>
             </a:fld>
             <a:endParaRPr lang="en-US"/>
           </a:p>
@@ -2431,7 +2543,7 @@
           <a:p>
             <a:fld id="{C4B2DD76-FF07-4BD5-A48D-1E42CF13DE05}" type="slidenum">
               <a:rPr lang="en-US" smtClean="0"/>
-              <a:t>‹nr.›</a:t>
+              <a:t>‹#›</a:t>
             </a:fld>
             <a:endParaRPr lang="en-US"/>
           </a:p>
@@ -2646,7 +2758,7 @@
           <a:p>
             <a:fld id="{0EBC0480-AD76-4764-8B6D-2EB29A2D1AA3}" type="datetimeFigureOut">
               <a:rPr lang="en-US" smtClean="0"/>
-              <a:t>1/10/2024</a:t>
+              <a:t>1/16/2024</a:t>
             </a:fld>
             <a:endParaRPr lang="en-US"/>
           </a:p>
@@ -2688,7 +2800,7 @@
           <a:p>
             <a:fld id="{C4B2DD76-FF07-4BD5-A48D-1E42CF13DE05}" type="slidenum">
               <a:rPr lang="en-US" smtClean="0"/>
-              <a:t>‹nr.›</a:t>
+              <a:t>‹#›</a:t>
             </a:fld>
             <a:endParaRPr lang="en-US"/>
           </a:p>
@@ -2859,7 +2971,7 @@
           <a:p>
             <a:fld id="{0EBC0480-AD76-4764-8B6D-2EB29A2D1AA3}" type="datetimeFigureOut">
               <a:rPr lang="en-US" smtClean="0"/>
-              <a:t>1/10/2024</a:t>
+              <a:t>1/16/2024</a:t>
             </a:fld>
             <a:endParaRPr lang="en-US"/>
           </a:p>
@@ -2937,7 +3049,7 @@
           <a:p>
             <a:fld id="{C4B2DD76-FF07-4BD5-A48D-1E42CF13DE05}" type="slidenum">
               <a:rPr lang="en-US" smtClean="0"/>
-              <a:t>‹nr.›</a:t>
+              <a:t>‹#›</a:t>
             </a:fld>
             <a:endParaRPr lang="en-US"/>
           </a:p>
@@ -4112,7 +4224,7 @@
         </p:nvSpPr>
         <p:spPr>
           <a:xfrm>
-            <a:off x="1128169" y="3278378"/>
+            <a:off x="1128169" y="3465050"/>
             <a:ext cx="2687652" cy="1044238"/>
           </a:xfrm>
           <a:prstGeom prst="rect">
@@ -4159,7 +4271,7 @@
         </p:nvSpPr>
         <p:spPr>
           <a:xfrm>
-            <a:off x="5805340" y="3341194"/>
+            <a:off x="5785379" y="3408840"/>
             <a:ext cx="2687652" cy="1044238"/>
           </a:xfrm>
           <a:prstGeom prst="rect">
@@ -4206,7 +4318,7 @@
         </p:nvSpPr>
         <p:spPr>
           <a:xfrm>
-            <a:off x="1128169" y="4379145"/>
+            <a:off x="1128169" y="4867178"/>
             <a:ext cx="2687652" cy="1044238"/>
           </a:xfrm>
           <a:prstGeom prst="rect">
@@ -4267,7 +4379,7 @@
         </p:blipFill>
         <p:spPr>
           <a:xfrm>
-            <a:off x="5910337" y="4487481"/>
+            <a:off x="5910337" y="4699313"/>
             <a:ext cx="2477657" cy="1387606"/>
           </a:xfrm>
           <a:prstGeom prst="rect">
@@ -4297,7 +4409,7 @@
         </p:blipFill>
         <p:spPr>
           <a:xfrm>
-            <a:off x="3573453" y="10110726"/>
+            <a:off x="591442" y="10153212"/>
             <a:ext cx="2454291" cy="1509357"/>
           </a:xfrm>
           <a:prstGeom prst="rect">
@@ -4435,17 +4547,17 @@
             <a:pPr algn="ctr"/>
             <a:r>
               <a:rPr lang="en-US" sz="2000" dirty="0"/>
-              <a:t>Testing</a:t>
-            </a:r>
-          </a:p>
-        </p:txBody>
-      </p:sp>
-      <p:sp>
-        <p:nvSpPr>
-          <p:cNvPr id="30" name="Rectangle 29">
+              <a:t>Simulation</a:t>
+            </a:r>
+          </a:p>
+        </p:txBody>
+      </p:sp>
+      <p:sp>
+        <p:nvSpPr>
+          <p:cNvPr id="32" name="Rectangle 31">
             <a:extLst>
               <a:ext uri="{FF2B5EF4-FFF2-40B4-BE49-F238E27FC236}">
-                <a16:creationId xmlns:a16="http://schemas.microsoft.com/office/drawing/2014/main" id="{60DB3BA2-0B33-3342-1024-35B578617B03}"/>
+                <a16:creationId xmlns:a16="http://schemas.microsoft.com/office/drawing/2014/main" id="{BE63BC81-A8D3-4ABC-3792-522663C9C803}"/>
               </a:ext>
             </a:extLst>
           </p:cNvPr>
@@ -4454,8 +4566,8 @@
         </p:nvSpPr>
         <p:spPr>
           <a:xfrm>
-            <a:off x="709139" y="10110726"/>
-            <a:ext cx="2687652" cy="1509356"/>
+            <a:off x="3815821" y="6924430"/>
+            <a:ext cx="1989520" cy="421250"/>
           </a:xfrm>
           <a:prstGeom prst="rect">
             <a:avLst/>
@@ -4484,94 +4596,96 @@
           </a:p>
         </p:txBody>
       </p:sp>
-      <p:sp>
-        <p:nvSpPr>
-          <p:cNvPr id="31" name="Rectangle 30">
+      <p:pic>
+        <p:nvPicPr>
+          <p:cNvPr id="5" name="Picture 4">
             <a:extLst>
               <a:ext uri="{FF2B5EF4-FFF2-40B4-BE49-F238E27FC236}">
-                <a16:creationId xmlns:a16="http://schemas.microsoft.com/office/drawing/2014/main" id="{35ADA706-18BB-E724-EDA1-57C94033E371}"/>
+                <a16:creationId xmlns:a16="http://schemas.microsoft.com/office/drawing/2014/main" id="{755D040A-C11E-2D77-8CC1-057981FD4B2A}"/>
               </a:ext>
             </a:extLst>
           </p:cNvPr>
-          <p:cNvSpPr/>
+          <p:cNvPicPr>
+            <a:picLocks noChangeAspect="1"/>
+          </p:cNvPicPr>
           <p:nvPr/>
-        </p:nvSpPr>
+        </p:nvPicPr>
+        <p:blipFill>
+          <a:blip r:embed="rId5"/>
+          <a:stretch>
+            <a:fillRect/>
+          </a:stretch>
+        </p:blipFill>
         <p:spPr>
           <a:xfrm>
-            <a:off x="6252128" y="10110726"/>
-            <a:ext cx="2687652" cy="1509356"/>
+            <a:off x="849606" y="6588898"/>
+            <a:ext cx="2491989" cy="1920908"/>
           </a:xfrm>
           <a:prstGeom prst="rect">
             <a:avLst/>
           </a:prstGeom>
         </p:spPr>
-        <p:style>
-          <a:lnRef idx="2">
-            <a:schemeClr val="accent1"/>
-          </a:lnRef>
-          <a:fillRef idx="1">
-            <a:schemeClr val="lt1"/>
-          </a:fillRef>
-          <a:effectRef idx="0">
-            <a:schemeClr val="accent1"/>
-          </a:effectRef>
-          <a:fontRef idx="minor">
-            <a:schemeClr val="dk1"/>
-          </a:fontRef>
-        </p:style>
-        <p:txBody>
-          <a:bodyPr rtlCol="0" anchor="ctr"/>
-          <a:lstStyle/>
-          <a:p>
-            <a:pPr algn="ctr"/>
-            <a:endParaRPr lang="en-US" sz="1400" dirty="0"/>
-          </a:p>
-        </p:txBody>
-      </p:sp>
-      <p:sp>
-        <p:nvSpPr>
-          <p:cNvPr id="32" name="Rectangle 31">
+      </p:pic>
+      <p:pic>
+        <p:nvPicPr>
+          <p:cNvPr id="15" name="Picture 14">
             <a:extLst>
               <a:ext uri="{FF2B5EF4-FFF2-40B4-BE49-F238E27FC236}">
-                <a16:creationId xmlns:a16="http://schemas.microsoft.com/office/drawing/2014/main" id="{BE63BC81-A8D3-4ABC-3792-522663C9C803}"/>
+                <a16:creationId xmlns:a16="http://schemas.microsoft.com/office/drawing/2014/main" id="{83089846-5EDC-D820-DC5F-7CD19D3C8606}"/>
               </a:ext>
             </a:extLst>
           </p:cNvPr>
-          <p:cNvSpPr/>
+          <p:cNvPicPr>
+            <a:picLocks noChangeAspect="1"/>
+          </p:cNvPicPr>
           <p:nvPr/>
-        </p:nvSpPr>
-        <p:spPr>
-          <a:xfrm>
-            <a:off x="690878" y="6924430"/>
-            <a:ext cx="8201184" cy="1432492"/>
+        </p:nvPicPr>
+        <p:blipFill>
+          <a:blip r:embed="rId6"/>
+          <a:stretch>
+            <a:fillRect/>
+          </a:stretch>
+        </p:blipFill>
+        <p:spPr>
+          <a:xfrm rot="5400000">
+            <a:off x="6793557" y="9679899"/>
+            <a:ext cx="1509357" cy="2530758"/>
           </a:xfrm>
           <a:prstGeom prst="rect">
             <a:avLst/>
           </a:prstGeom>
         </p:spPr>
-        <p:style>
-          <a:lnRef idx="2">
-            <a:schemeClr val="accent1"/>
-          </a:lnRef>
-          <a:fillRef idx="1">
-            <a:schemeClr val="lt1"/>
-          </a:fillRef>
-          <a:effectRef idx="0">
-            <a:schemeClr val="accent1"/>
-          </a:effectRef>
-          <a:fontRef idx="minor">
-            <a:schemeClr val="dk1"/>
-          </a:fontRef>
-        </p:style>
-        <p:txBody>
-          <a:bodyPr rtlCol="0" anchor="ctr"/>
-          <a:lstStyle/>
-          <a:p>
-            <a:pPr algn="ctr"/>
-            <a:endParaRPr lang="en-US" sz="1400" dirty="0"/>
-          </a:p>
-        </p:txBody>
-      </p:sp>
+      </p:pic>
+      <p:pic>
+        <p:nvPicPr>
+          <p:cNvPr id="19" name="Picture 18">
+            <a:extLst>
+              <a:ext uri="{FF2B5EF4-FFF2-40B4-BE49-F238E27FC236}">
+                <a16:creationId xmlns:a16="http://schemas.microsoft.com/office/drawing/2014/main" id="{F5B686A8-213A-FE84-8CE6-C5D1A8753831}"/>
+              </a:ext>
+            </a:extLst>
+          </p:cNvPr>
+          <p:cNvPicPr>
+            <a:picLocks noChangeAspect="1"/>
+          </p:cNvPicPr>
+          <p:nvPr/>
+        </p:nvPicPr>
+        <p:blipFill>
+          <a:blip r:embed="rId7"/>
+          <a:stretch>
+            <a:fillRect/>
+          </a:stretch>
+        </p:blipFill>
+        <p:spPr>
+          <a:xfrm>
+            <a:off x="4091920" y="10141056"/>
+            <a:ext cx="1610797" cy="1604195"/>
+          </a:xfrm>
+          <a:prstGeom prst="rect">
+            <a:avLst/>
+          </a:prstGeom>
+        </p:spPr>
+      </p:pic>
     </p:spTree>
     <p:extLst>
       <p:ext uri="{BB962C8B-B14F-4D97-AF65-F5344CB8AC3E}">

--- a/Documentation/Final_Poster_Presentation.pptx
+++ b/Documentation/Final_Poster_Presentation.pptx
@@ -117,12 +117,12 @@
   <pc:docChgLst>
     <pc:chgData name="Southard,Wyatt W.A." userId="bd58111a-1a0a-4f24-908c-42d1f632482e" providerId="ADAL" clId="{444E0F0E-1AA2-4B76-9310-22D308682D10}"/>
     <pc:docChg chg="custSel modSld">
-      <pc:chgData name="Southard,Wyatt W.A." userId="bd58111a-1a0a-4f24-908c-42d1f632482e" providerId="ADAL" clId="{444E0F0E-1AA2-4B76-9310-22D308682D10}" dt="2024-01-16T20:34:49.804" v="81" actId="1076"/>
+      <pc:chgData name="Southard,Wyatt W.A." userId="bd58111a-1a0a-4f24-908c-42d1f632482e" providerId="ADAL" clId="{444E0F0E-1AA2-4B76-9310-22D308682D10}" dt="2024-01-16T23:44:34.559" v="83" actId="14100"/>
       <pc:docMkLst>
         <pc:docMk/>
       </pc:docMkLst>
       <pc:sldChg chg="addSp delSp modSp mod">
-        <pc:chgData name="Southard,Wyatt W.A." userId="bd58111a-1a0a-4f24-908c-42d1f632482e" providerId="ADAL" clId="{444E0F0E-1AA2-4B76-9310-22D308682D10}" dt="2024-01-16T20:34:49.804" v="81" actId="1076"/>
+        <pc:chgData name="Southard,Wyatt W.A." userId="bd58111a-1a0a-4f24-908c-42d1f632482e" providerId="ADAL" clId="{444E0F0E-1AA2-4B76-9310-22D308682D10}" dt="2024-01-16T23:44:34.559" v="83" actId="14100"/>
         <pc:sldMkLst>
           <pc:docMk/>
           <pc:sldMk cId="4288181715" sldId="256"/>
@@ -168,7 +168,7 @@
           </ac:spMkLst>
         </pc:spChg>
         <pc:spChg chg="mod">
-          <ac:chgData name="Southard,Wyatt W.A." userId="bd58111a-1a0a-4f24-908c-42d1f632482e" providerId="ADAL" clId="{444E0F0E-1AA2-4B76-9310-22D308682D10}" dt="2024-01-16T20:34:34.855" v="79" actId="14100"/>
+          <ac:chgData name="Southard,Wyatt W.A." userId="bd58111a-1a0a-4f24-908c-42d1f632482e" providerId="ADAL" clId="{444E0F0E-1AA2-4B76-9310-22D308682D10}" dt="2024-01-16T23:44:34.559" v="83" actId="14100"/>
           <ac:spMkLst>
             <pc:docMk/>
             <pc:sldMk cId="4288181715" sldId="256"/>
@@ -648,7 +648,7 @@
           <a:p>
             <a:fld id="{0EBC0480-AD76-4764-8B6D-2EB29A2D1AA3}" type="datetimeFigureOut">
               <a:rPr lang="en-US" smtClean="0"/>
-              <a:t>1/16/2024</a:t>
+              <a:t>1/17/2024</a:t>
             </a:fld>
             <a:endParaRPr lang="en-US"/>
           </a:p>
@@ -818,7 +818,7 @@
           <a:p>
             <a:fld id="{0EBC0480-AD76-4764-8B6D-2EB29A2D1AA3}" type="datetimeFigureOut">
               <a:rPr lang="en-US" smtClean="0"/>
-              <a:t>1/16/2024</a:t>
+              <a:t>1/17/2024</a:t>
             </a:fld>
             <a:endParaRPr lang="en-US"/>
           </a:p>
@@ -998,7 +998,7 @@
           <a:p>
             <a:fld id="{0EBC0480-AD76-4764-8B6D-2EB29A2D1AA3}" type="datetimeFigureOut">
               <a:rPr lang="en-US" smtClean="0"/>
-              <a:t>1/16/2024</a:t>
+              <a:t>1/17/2024</a:t>
             </a:fld>
             <a:endParaRPr lang="en-US"/>
           </a:p>
@@ -1168,7 +1168,7 @@
           <a:p>
             <a:fld id="{0EBC0480-AD76-4764-8B6D-2EB29A2D1AA3}" type="datetimeFigureOut">
               <a:rPr lang="en-US" smtClean="0"/>
-              <a:t>1/16/2024</a:t>
+              <a:t>1/17/2024</a:t>
             </a:fld>
             <a:endParaRPr lang="en-US"/>
           </a:p>
@@ -1412,7 +1412,7 @@
           <a:p>
             <a:fld id="{0EBC0480-AD76-4764-8B6D-2EB29A2D1AA3}" type="datetimeFigureOut">
               <a:rPr lang="en-US" smtClean="0"/>
-              <a:t>1/16/2024</a:t>
+              <a:t>1/17/2024</a:t>
             </a:fld>
             <a:endParaRPr lang="en-US"/>
           </a:p>
@@ -1644,7 +1644,7 @@
           <a:p>
             <a:fld id="{0EBC0480-AD76-4764-8B6D-2EB29A2D1AA3}" type="datetimeFigureOut">
               <a:rPr lang="en-US" smtClean="0"/>
-              <a:t>1/16/2024</a:t>
+              <a:t>1/17/2024</a:t>
             </a:fld>
             <a:endParaRPr lang="en-US"/>
           </a:p>
@@ -2011,7 +2011,7 @@
           <a:p>
             <a:fld id="{0EBC0480-AD76-4764-8B6D-2EB29A2D1AA3}" type="datetimeFigureOut">
               <a:rPr lang="en-US" smtClean="0"/>
-              <a:t>1/16/2024</a:t>
+              <a:t>1/17/2024</a:t>
             </a:fld>
             <a:endParaRPr lang="en-US"/>
           </a:p>
@@ -2129,7 +2129,7 @@
           <a:p>
             <a:fld id="{0EBC0480-AD76-4764-8B6D-2EB29A2D1AA3}" type="datetimeFigureOut">
               <a:rPr lang="en-US" smtClean="0"/>
-              <a:t>1/16/2024</a:t>
+              <a:t>1/17/2024</a:t>
             </a:fld>
             <a:endParaRPr lang="en-US"/>
           </a:p>
@@ -2224,7 +2224,7 @@
           <a:p>
             <a:fld id="{0EBC0480-AD76-4764-8B6D-2EB29A2D1AA3}" type="datetimeFigureOut">
               <a:rPr lang="en-US" smtClean="0"/>
-              <a:t>1/16/2024</a:t>
+              <a:t>1/17/2024</a:t>
             </a:fld>
             <a:endParaRPr lang="en-US"/>
           </a:p>
@@ -2501,7 +2501,7 @@
           <a:p>
             <a:fld id="{0EBC0480-AD76-4764-8B6D-2EB29A2D1AA3}" type="datetimeFigureOut">
               <a:rPr lang="en-US" smtClean="0"/>
-              <a:t>1/16/2024</a:t>
+              <a:t>1/17/2024</a:t>
             </a:fld>
             <a:endParaRPr lang="en-US"/>
           </a:p>
@@ -2758,7 +2758,7 @@
           <a:p>
             <a:fld id="{0EBC0480-AD76-4764-8B6D-2EB29A2D1AA3}" type="datetimeFigureOut">
               <a:rPr lang="en-US" smtClean="0"/>
-              <a:t>1/16/2024</a:t>
+              <a:t>1/17/2024</a:t>
             </a:fld>
             <a:endParaRPr lang="en-US"/>
           </a:p>
@@ -2971,7 +2971,7 @@
           <a:p>
             <a:fld id="{0EBC0480-AD76-4764-8B6D-2EB29A2D1AA3}" type="datetimeFigureOut">
               <a:rPr lang="en-US" smtClean="0"/>
-              <a:t>1/16/2024</a:t>
+              <a:t>1/17/2024</a:t>
             </a:fld>
             <a:endParaRPr lang="en-US"/>
           </a:p>
@@ -4567,7 +4567,7 @@
         <p:spPr>
           <a:xfrm>
             <a:off x="3815821" y="6924430"/>
-            <a:ext cx="1989520" cy="421250"/>
+            <a:ext cx="1989520" cy="1488050"/>
           </a:xfrm>
           <a:prstGeom prst="rect">
             <a:avLst/>

--- a/Documentation/Final_Poster_Presentation.pptx
+++ b/Documentation/Final_Poster_Presentation.pptx
@@ -112,17 +112,25 @@
 </p:presentation>
 </file>
 
+<file path=ppt/revisionInfo.xml><?xml version="1.0" encoding="utf-8"?>
+<p1510:revInfo xmlns:a="http://schemas.openxmlformats.org/drawingml/2006/main" xmlns:r="http://schemas.openxmlformats.org/officeDocument/2006/relationships" xmlns:p1510="http://schemas.microsoft.com/office/powerpoint/2015/10/main">
+  <p1510:revLst>
+    <p1510:client id="{444E0F0E-1AA2-4B76-9310-22D308682D10}" v="1" dt="2024-01-17T07:38:51.812"/>
+  </p1510:revLst>
+</p1510:revInfo>
+</file>
+
 <file path=ppt/changesInfos/changesInfo1.xml><?xml version="1.0" encoding="utf-8"?>
 <pc:chgInfo xmlns:a="http://schemas.openxmlformats.org/drawingml/2006/main" xmlns:r="http://schemas.openxmlformats.org/officeDocument/2006/relationships" xmlns:ac="http://schemas.microsoft.com/office/drawing/2013/main/command" xmlns:pc="http://schemas.microsoft.com/office/powerpoint/2013/main/command">
   <pc:docChgLst>
     <pc:chgData name="Southard,Wyatt W.A." userId="bd58111a-1a0a-4f24-908c-42d1f632482e" providerId="ADAL" clId="{444E0F0E-1AA2-4B76-9310-22D308682D10}"/>
     <pc:docChg chg="custSel modSld">
-      <pc:chgData name="Southard,Wyatt W.A." userId="bd58111a-1a0a-4f24-908c-42d1f632482e" providerId="ADAL" clId="{444E0F0E-1AA2-4B76-9310-22D308682D10}" dt="2024-01-16T23:44:34.559" v="83" actId="14100"/>
+      <pc:chgData name="Southard,Wyatt W.A." userId="bd58111a-1a0a-4f24-908c-42d1f632482e" providerId="ADAL" clId="{444E0F0E-1AA2-4B76-9310-22D308682D10}" dt="2024-01-17T07:40:51.502" v="188" actId="1076"/>
       <pc:docMkLst>
         <pc:docMk/>
       </pc:docMkLst>
       <pc:sldChg chg="addSp delSp modSp mod">
-        <pc:chgData name="Southard,Wyatt W.A." userId="bd58111a-1a0a-4f24-908c-42d1f632482e" providerId="ADAL" clId="{444E0F0E-1AA2-4B76-9310-22D308682D10}" dt="2024-01-16T23:44:34.559" v="83" actId="14100"/>
+        <pc:chgData name="Southard,Wyatt W.A." userId="bd58111a-1a0a-4f24-908c-42d1f632482e" providerId="ADAL" clId="{444E0F0E-1AA2-4B76-9310-22D308682D10}" dt="2024-01-17T07:40:51.502" v="188" actId="1076"/>
         <pc:sldMkLst>
           <pc:docMk/>
           <pc:sldMk cId="4288181715" sldId="256"/>
@@ -151,6 +159,14 @@
             <ac:spMk id="8" creationId="{CFEF8D95-784B-5450-F62A-1B318A6A1923}"/>
           </ac:spMkLst>
         </pc:spChg>
+        <pc:spChg chg="add mod">
+          <ac:chgData name="Southard,Wyatt W.A." userId="bd58111a-1a0a-4f24-908c-42d1f632482e" providerId="ADAL" clId="{444E0F0E-1AA2-4B76-9310-22D308682D10}" dt="2024-01-17T07:40:51.502" v="188" actId="1076"/>
+          <ac:spMkLst>
+            <pc:docMk/>
+            <pc:sldMk cId="4288181715" sldId="256"/>
+            <ac:spMk id="26" creationId="{AFFF1699-7CCD-E443-867F-FADC4FA70A68}"/>
+          </ac:spMkLst>
+        </pc:spChg>
         <pc:spChg chg="del">
           <ac:chgData name="Southard,Wyatt W.A." userId="bd58111a-1a0a-4f24-908c-42d1f632482e" providerId="ADAL" clId="{444E0F0E-1AA2-4B76-9310-22D308682D10}" dt="2024-01-16T20:28:14.048" v="33" actId="478"/>
           <ac:spMkLst>
@@ -167,8 +183,8 @@
             <ac:spMk id="31" creationId="{35ADA706-18BB-E724-EDA1-57C94033E371}"/>
           </ac:spMkLst>
         </pc:spChg>
-        <pc:spChg chg="mod">
-          <ac:chgData name="Southard,Wyatt W.A." userId="bd58111a-1a0a-4f24-908c-42d1f632482e" providerId="ADAL" clId="{444E0F0E-1AA2-4B76-9310-22D308682D10}" dt="2024-01-16T23:44:34.559" v="83" actId="14100"/>
+        <pc:spChg chg="del mod">
+          <ac:chgData name="Southard,Wyatt W.A." userId="bd58111a-1a0a-4f24-908c-42d1f632482e" providerId="ADAL" clId="{444E0F0E-1AA2-4B76-9310-22D308682D10}" dt="2024-01-17T07:36:51.605" v="91" actId="478"/>
           <ac:spMkLst>
             <pc:docMk/>
             <pc:sldMk cId="4288181715" sldId="256"/>
@@ -183,12 +199,20 @@
             <ac:spMk id="37" creationId="{0E9938C7-B45A-81F1-8E4C-F815C6435BC7}"/>
           </ac:spMkLst>
         </pc:spChg>
-        <pc:picChg chg="add mod">
-          <ac:chgData name="Southard,Wyatt W.A." userId="bd58111a-1a0a-4f24-908c-42d1f632482e" providerId="ADAL" clId="{444E0F0E-1AA2-4B76-9310-22D308682D10}" dt="2024-01-16T20:34:49.804" v="81" actId="1076"/>
+        <pc:picChg chg="add del mod">
+          <ac:chgData name="Southard,Wyatt W.A." userId="bd58111a-1a0a-4f24-908c-42d1f632482e" providerId="ADAL" clId="{444E0F0E-1AA2-4B76-9310-22D308682D10}" dt="2024-01-17T07:36:25.408" v="84" actId="478"/>
           <ac:picMkLst>
             <pc:docMk/>
             <pc:sldMk cId="4288181715" sldId="256"/>
             <ac:picMk id="5" creationId="{755D040A-C11E-2D77-8CC1-057981FD4B2A}"/>
+          </ac:picMkLst>
+        </pc:picChg>
+        <pc:picChg chg="add mod">
+          <ac:chgData name="Southard,Wyatt W.A." userId="bd58111a-1a0a-4f24-908c-42d1f632482e" providerId="ADAL" clId="{444E0F0E-1AA2-4B76-9310-22D308682D10}" dt="2024-01-17T07:40:19.645" v="184" actId="1076"/>
+          <ac:picMkLst>
+            <pc:docMk/>
+            <pc:sldMk cId="4288181715" sldId="256"/>
+            <ac:picMk id="6" creationId="{50A02C9E-42D9-65CB-1599-D3D130EAEB95}"/>
           </ac:picMkLst>
         </pc:picChg>
         <pc:picChg chg="add del mod">
@@ -197,6 +221,14 @@
             <pc:docMk/>
             <pc:sldMk cId="4288181715" sldId="256"/>
             <ac:picMk id="7" creationId="{2E85F21E-E8D7-0A56-4567-82E67D92F844}"/>
+          </ac:picMkLst>
+        </pc:picChg>
+        <pc:picChg chg="add del">
+          <ac:chgData name="Southard,Wyatt W.A." userId="bd58111a-1a0a-4f24-908c-42d1f632482e" providerId="ADAL" clId="{444E0F0E-1AA2-4B76-9310-22D308682D10}" dt="2024-01-17T07:37:22.832" v="94" actId="478"/>
+          <ac:picMkLst>
+            <pc:docMk/>
+            <pc:sldMk cId="4288181715" sldId="256"/>
+            <ac:picMk id="14" creationId="{1AF12177-4F70-D511-FF89-CD7395E430E4}"/>
           </ac:picMkLst>
         </pc:picChg>
         <pc:picChg chg="add mod">
@@ -223,12 +255,28 @@
             <ac:picMk id="19" creationId="{F5B686A8-213A-FE84-8CE6-C5D1A8753831}"/>
           </ac:picMkLst>
         </pc:picChg>
+        <pc:picChg chg="add mod">
+          <ac:chgData name="Southard,Wyatt W.A." userId="bd58111a-1a0a-4f24-908c-42d1f632482e" providerId="ADAL" clId="{444E0F0E-1AA2-4B76-9310-22D308682D10}" dt="2024-01-17T07:40:07.809" v="183" actId="14100"/>
+          <ac:picMkLst>
+            <pc:docMk/>
+            <pc:sldMk cId="4288181715" sldId="256"/>
+            <ac:picMk id="20" creationId="{430B527F-6C75-2168-E04D-B11A264057BD}"/>
+          </ac:picMkLst>
+        </pc:picChg>
         <pc:picChg chg="mod">
           <ac:chgData name="Southard,Wyatt W.A." userId="bd58111a-1a0a-4f24-908c-42d1f632482e" providerId="ADAL" clId="{444E0F0E-1AA2-4B76-9310-22D308682D10}" dt="2024-01-16T20:30:49.762" v="56" actId="1076"/>
           <ac:picMkLst>
             <pc:docMk/>
             <pc:sldMk cId="4288181715" sldId="256"/>
             <ac:picMk id="22" creationId="{4858A5E4-9DFF-C2F2-AD37-EC0EBE49161B}"/>
+          </ac:picMkLst>
+        </pc:picChg>
+        <pc:picChg chg="add del">
+          <ac:chgData name="Southard,Wyatt W.A." userId="bd58111a-1a0a-4f24-908c-42d1f632482e" providerId="ADAL" clId="{444E0F0E-1AA2-4B76-9310-22D308682D10}" dt="2024-01-17T07:38:36.124" v="104" actId="478"/>
+          <ac:picMkLst>
+            <pc:docMk/>
+            <pc:sldMk cId="4288181715" sldId="256"/>
+            <ac:picMk id="23" creationId="{8ABC3F49-8D18-9610-F364-7B8CF0BA5F53}"/>
           </ac:picMkLst>
         </pc:picChg>
       </pc:sldChg>
@@ -4552,80 +4600,6 @@
           </a:p>
         </p:txBody>
       </p:sp>
-      <p:sp>
-        <p:nvSpPr>
-          <p:cNvPr id="32" name="Rectangle 31">
-            <a:extLst>
-              <a:ext uri="{FF2B5EF4-FFF2-40B4-BE49-F238E27FC236}">
-                <a16:creationId xmlns:a16="http://schemas.microsoft.com/office/drawing/2014/main" id="{BE63BC81-A8D3-4ABC-3792-522663C9C803}"/>
-              </a:ext>
-            </a:extLst>
-          </p:cNvPr>
-          <p:cNvSpPr/>
-          <p:nvPr/>
-        </p:nvSpPr>
-        <p:spPr>
-          <a:xfrm>
-            <a:off x="3815821" y="6924430"/>
-            <a:ext cx="1989520" cy="1488050"/>
-          </a:xfrm>
-          <a:prstGeom prst="rect">
-            <a:avLst/>
-          </a:prstGeom>
-        </p:spPr>
-        <p:style>
-          <a:lnRef idx="2">
-            <a:schemeClr val="accent1"/>
-          </a:lnRef>
-          <a:fillRef idx="1">
-            <a:schemeClr val="lt1"/>
-          </a:fillRef>
-          <a:effectRef idx="0">
-            <a:schemeClr val="accent1"/>
-          </a:effectRef>
-          <a:fontRef idx="minor">
-            <a:schemeClr val="dk1"/>
-          </a:fontRef>
-        </p:style>
-        <p:txBody>
-          <a:bodyPr rtlCol="0" anchor="ctr"/>
-          <a:lstStyle/>
-          <a:p>
-            <a:pPr algn="ctr"/>
-            <a:endParaRPr lang="en-US" sz="1400" dirty="0"/>
-          </a:p>
-        </p:txBody>
-      </p:sp>
-      <p:pic>
-        <p:nvPicPr>
-          <p:cNvPr id="5" name="Picture 4">
-            <a:extLst>
-              <a:ext uri="{FF2B5EF4-FFF2-40B4-BE49-F238E27FC236}">
-                <a16:creationId xmlns:a16="http://schemas.microsoft.com/office/drawing/2014/main" id="{755D040A-C11E-2D77-8CC1-057981FD4B2A}"/>
-              </a:ext>
-            </a:extLst>
-          </p:cNvPr>
-          <p:cNvPicPr>
-            <a:picLocks noChangeAspect="1"/>
-          </p:cNvPicPr>
-          <p:nvPr/>
-        </p:nvPicPr>
-        <p:blipFill>
-          <a:blip r:embed="rId5"/>
-          <a:stretch>
-            <a:fillRect/>
-          </a:stretch>
-        </p:blipFill>
-        <p:spPr>
-          <a:xfrm>
-            <a:off x="849606" y="6588898"/>
-            <a:ext cx="2491989" cy="1920908"/>
-          </a:xfrm>
-          <a:prstGeom prst="rect">
-            <a:avLst/>
-          </a:prstGeom>
-        </p:spPr>
-      </p:pic>
       <p:pic>
         <p:nvPicPr>
           <p:cNvPr id="15" name="Picture 14">
@@ -4641,7 +4615,7 @@
           <p:nvPr/>
         </p:nvPicPr>
         <p:blipFill>
-          <a:blip r:embed="rId6"/>
+          <a:blip r:embed="rId5"/>
           <a:stretch>
             <a:fillRect/>
           </a:stretch>
@@ -4671,6 +4645,36 @@
           <p:nvPr/>
         </p:nvPicPr>
         <p:blipFill>
+          <a:blip r:embed="rId6"/>
+          <a:stretch>
+            <a:fillRect/>
+          </a:stretch>
+        </p:blipFill>
+        <p:spPr>
+          <a:xfrm>
+            <a:off x="4091920" y="10141056"/>
+            <a:ext cx="1610797" cy="1604195"/>
+          </a:xfrm>
+          <a:prstGeom prst="rect">
+            <a:avLst/>
+          </a:prstGeom>
+        </p:spPr>
+      </p:pic>
+      <p:pic>
+        <p:nvPicPr>
+          <p:cNvPr id="6" name="Picture 5">
+            <a:extLst>
+              <a:ext uri="{FF2B5EF4-FFF2-40B4-BE49-F238E27FC236}">
+                <a16:creationId xmlns:a16="http://schemas.microsoft.com/office/drawing/2014/main" id="{50A02C9E-42D9-65CB-1599-D3D130EAEB95}"/>
+              </a:ext>
+            </a:extLst>
+          </p:cNvPr>
+          <p:cNvPicPr>
+            <a:picLocks noChangeAspect="1"/>
+          </p:cNvPicPr>
+          <p:nvPr/>
+        </p:nvPicPr>
+        <p:blipFill>
           <a:blip r:embed="rId7"/>
           <a:stretch>
             <a:fillRect/>
@@ -4678,14 +4682,91 @@
         </p:blipFill>
         <p:spPr>
           <a:xfrm>
-            <a:off x="4091920" y="10141056"/>
-            <a:ext cx="1610797" cy="1604195"/>
+            <a:off x="287486" y="6932264"/>
+            <a:ext cx="3616509" cy="1385701"/>
           </a:xfrm>
           <a:prstGeom prst="rect">
             <a:avLst/>
           </a:prstGeom>
         </p:spPr>
       </p:pic>
+      <p:pic>
+        <p:nvPicPr>
+          <p:cNvPr id="20" name="Picture 19">
+            <a:extLst>
+              <a:ext uri="{FF2B5EF4-FFF2-40B4-BE49-F238E27FC236}">
+                <a16:creationId xmlns:a16="http://schemas.microsoft.com/office/drawing/2014/main" id="{430B527F-6C75-2168-E04D-B11A264057BD}"/>
+              </a:ext>
+            </a:extLst>
+          </p:cNvPr>
+          <p:cNvPicPr>
+            <a:picLocks noChangeAspect="1"/>
+          </p:cNvPicPr>
+          <p:nvPr/>
+        </p:nvPicPr>
+        <p:blipFill>
+          <a:blip r:embed="rId8"/>
+          <a:stretch>
+            <a:fillRect/>
+          </a:stretch>
+        </p:blipFill>
+        <p:spPr>
+          <a:xfrm>
+            <a:off x="5793025" y="6906967"/>
+            <a:ext cx="3533662" cy="1426862"/>
+          </a:xfrm>
+          <a:prstGeom prst="rect">
+            <a:avLst/>
+          </a:prstGeom>
+        </p:spPr>
+      </p:pic>
+      <p:sp>
+        <p:nvSpPr>
+          <p:cNvPr id="26" name="Rectangle 25">
+            <a:extLst>
+              <a:ext uri="{FF2B5EF4-FFF2-40B4-BE49-F238E27FC236}">
+                <a16:creationId xmlns:a16="http://schemas.microsoft.com/office/drawing/2014/main" id="{AFFF1699-7CCD-E443-867F-FADC4FA70A68}"/>
+              </a:ext>
+            </a:extLst>
+          </p:cNvPr>
+          <p:cNvSpPr/>
+          <p:nvPr/>
+        </p:nvSpPr>
+        <p:spPr>
+          <a:xfrm>
+            <a:off x="3955020" y="7467600"/>
+            <a:ext cx="1691160" cy="388851"/>
+          </a:xfrm>
+          <a:prstGeom prst="rect">
+            <a:avLst/>
+          </a:prstGeom>
+        </p:spPr>
+        <p:style>
+          <a:lnRef idx="2">
+            <a:schemeClr val="accent1"/>
+          </a:lnRef>
+          <a:fillRef idx="1">
+            <a:schemeClr val="lt1"/>
+          </a:fillRef>
+          <a:effectRef idx="0">
+            <a:schemeClr val="accent1"/>
+          </a:effectRef>
+          <a:fontRef idx="minor">
+            <a:schemeClr val="dk1"/>
+          </a:fontRef>
+        </p:style>
+        <p:txBody>
+          <a:bodyPr rtlCol="0" anchor="ctr"/>
+          <a:lstStyle/>
+          <a:p>
+            <a:pPr algn="ctr"/>
+            <a:r>
+              <a:rPr lang="en-US" sz="1400" dirty="0"/>
+              <a:t>Power Dissipation of Linear Regulator</a:t>
+            </a:r>
+          </a:p>
+        </p:txBody>
+      </p:sp>
     </p:spTree>
     <p:extLst>
       <p:ext uri="{BB962C8B-B14F-4D97-AF65-F5344CB8AC3E}">

--- a/Documentation/Final_Poster_Presentation.pptx
+++ b/Documentation/Final_Poster_Presentation.pptx
@@ -115,7 +115,7 @@
 <file path=ppt/revisionInfo.xml><?xml version="1.0" encoding="utf-8"?>
 <p1510:revInfo xmlns:a="http://schemas.openxmlformats.org/drawingml/2006/main" xmlns:r="http://schemas.openxmlformats.org/officeDocument/2006/relationships" xmlns:p1510="http://schemas.microsoft.com/office/powerpoint/2015/10/main">
   <p1510:revLst>
-    <p1510:client id="{444E0F0E-1AA2-4B76-9310-22D308682D10}" v="1" dt="2024-01-17T07:38:51.812"/>
+    <p1510:client id="{444E0F0E-1AA2-4B76-9310-22D308682D10}" v="2" dt="2024-01-17T09:07:04.238"/>
   </p1510:revLst>
 </p1510:revInfo>
 </file>
@@ -124,13 +124,13 @@
 <pc:chgInfo xmlns:a="http://schemas.openxmlformats.org/drawingml/2006/main" xmlns:r="http://schemas.openxmlformats.org/officeDocument/2006/relationships" xmlns:ac="http://schemas.microsoft.com/office/drawing/2013/main/command" xmlns:pc="http://schemas.microsoft.com/office/powerpoint/2013/main/command">
   <pc:docChgLst>
     <pc:chgData name="Southard,Wyatt W.A." userId="bd58111a-1a0a-4f24-908c-42d1f632482e" providerId="ADAL" clId="{444E0F0E-1AA2-4B76-9310-22D308682D10}"/>
-    <pc:docChg chg="custSel modSld">
-      <pc:chgData name="Southard,Wyatt W.A." userId="bd58111a-1a0a-4f24-908c-42d1f632482e" providerId="ADAL" clId="{444E0F0E-1AA2-4B76-9310-22D308682D10}" dt="2024-01-17T07:40:51.502" v="188" actId="1076"/>
+    <pc:docChg chg="undo custSel modSld">
+      <pc:chgData name="Southard,Wyatt W.A." userId="bd58111a-1a0a-4f24-908c-42d1f632482e" providerId="ADAL" clId="{444E0F0E-1AA2-4B76-9310-22D308682D10}" dt="2024-01-17T09:10:23.031" v="273" actId="1076"/>
       <pc:docMkLst>
         <pc:docMk/>
       </pc:docMkLst>
       <pc:sldChg chg="addSp delSp modSp mod">
-        <pc:chgData name="Southard,Wyatt W.A." userId="bd58111a-1a0a-4f24-908c-42d1f632482e" providerId="ADAL" clId="{444E0F0E-1AA2-4B76-9310-22D308682D10}" dt="2024-01-17T07:40:51.502" v="188" actId="1076"/>
+        <pc:chgData name="Southard,Wyatt W.A." userId="bd58111a-1a0a-4f24-908c-42d1f632482e" providerId="ADAL" clId="{444E0F0E-1AA2-4B76-9310-22D308682D10}" dt="2024-01-17T09:10:23.031" v="273" actId="1076"/>
         <pc:sldMkLst>
           <pc:docMk/>
           <pc:sldMk cId="4288181715" sldId="256"/>
@@ -159,8 +159,16 @@
             <ac:spMk id="8" creationId="{CFEF8D95-784B-5450-F62A-1B318A6A1923}"/>
           </ac:spMkLst>
         </pc:spChg>
+        <pc:spChg chg="add del">
+          <ac:chgData name="Southard,Wyatt W.A." userId="bd58111a-1a0a-4f24-908c-42d1f632482e" providerId="ADAL" clId="{444E0F0E-1AA2-4B76-9310-22D308682D10}" dt="2024-01-17T09:10:18.198" v="272" actId="478"/>
+          <ac:spMkLst>
+            <pc:docMk/>
+            <pc:sldMk cId="4288181715" sldId="256"/>
+            <ac:spMk id="25" creationId="{DED89C79-3B92-9A20-73EA-ACF4A4EB4F7A}"/>
+          </ac:spMkLst>
+        </pc:spChg>
         <pc:spChg chg="add mod">
-          <ac:chgData name="Southard,Wyatt W.A." userId="bd58111a-1a0a-4f24-908c-42d1f632482e" providerId="ADAL" clId="{444E0F0E-1AA2-4B76-9310-22D308682D10}" dt="2024-01-17T07:40:51.502" v="188" actId="1076"/>
+          <ac:chgData name="Southard,Wyatt W.A." userId="bd58111a-1a0a-4f24-908c-42d1f632482e" providerId="ADAL" clId="{444E0F0E-1AA2-4B76-9310-22D308682D10}" dt="2024-01-17T09:08:35.114" v="270" actId="1076"/>
           <ac:spMkLst>
             <pc:docMk/>
             <pc:sldMk cId="4288181715" sldId="256"/>
@@ -175,6 +183,14 @@
             <ac:spMk id="30" creationId="{60DB3BA2-0B33-3342-1024-35B578617B03}"/>
           </ac:spMkLst>
         </pc:spChg>
+        <pc:spChg chg="add mod">
+          <ac:chgData name="Southard,Wyatt W.A." userId="bd58111a-1a0a-4f24-908c-42d1f632482e" providerId="ADAL" clId="{444E0F0E-1AA2-4B76-9310-22D308682D10}" dt="2024-01-17T09:08:27.914" v="268" actId="1076"/>
+          <ac:spMkLst>
+            <pc:docMk/>
+            <pc:sldMk cId="4288181715" sldId="256"/>
+            <ac:spMk id="30" creationId="{91BF7EFD-0064-9383-C53F-57895469E8B8}"/>
+          </ac:spMkLst>
+        </pc:spChg>
         <pc:spChg chg="del">
           <ac:chgData name="Southard,Wyatt W.A." userId="bd58111a-1a0a-4f24-908c-42d1f632482e" providerId="ADAL" clId="{444E0F0E-1AA2-4B76-9310-22D308682D10}" dt="2024-01-16T20:28:28.465" v="40" actId="478"/>
           <ac:spMkLst>
@@ -208,7 +224,15 @@
           </ac:picMkLst>
         </pc:picChg>
         <pc:picChg chg="add mod">
-          <ac:chgData name="Southard,Wyatt W.A." userId="bd58111a-1a0a-4f24-908c-42d1f632482e" providerId="ADAL" clId="{444E0F0E-1AA2-4B76-9310-22D308682D10}" dt="2024-01-17T07:40:19.645" v="184" actId="1076"/>
+          <ac:chgData name="Southard,Wyatt W.A." userId="bd58111a-1a0a-4f24-908c-42d1f632482e" providerId="ADAL" clId="{444E0F0E-1AA2-4B76-9310-22D308682D10}" dt="2024-01-17T09:10:23.031" v="273" actId="1076"/>
+          <ac:picMkLst>
+            <pc:docMk/>
+            <pc:sldMk cId="4288181715" sldId="256"/>
+            <ac:picMk id="5" creationId="{CE0B433D-7FC8-E9A1-7DD1-95D9516533B0}"/>
+          </ac:picMkLst>
+        </pc:picChg>
+        <pc:picChg chg="add del mod">
+          <ac:chgData name="Southard,Wyatt W.A." userId="bd58111a-1a0a-4f24-908c-42d1f632482e" providerId="ADAL" clId="{444E0F0E-1AA2-4B76-9310-22D308682D10}" dt="2024-01-17T09:05:02.038" v="189" actId="478"/>
           <ac:picMkLst>
             <pc:docMk/>
             <pc:sldMk cId="4288181715" sldId="256"/>
@@ -232,6 +256,14 @@
           </ac:picMkLst>
         </pc:picChg>
         <pc:picChg chg="add mod">
+          <ac:chgData name="Southard,Wyatt W.A." userId="bd58111a-1a0a-4f24-908c-42d1f632482e" providerId="ADAL" clId="{444E0F0E-1AA2-4B76-9310-22D308682D10}" dt="2024-01-17T09:06:36.983" v="208" actId="1076"/>
+          <ac:picMkLst>
+            <pc:docMk/>
+            <pc:sldMk cId="4288181715" sldId="256"/>
+            <ac:picMk id="14" creationId="{8AE2651A-1A4E-6E73-4901-839FD6E37F4D}"/>
+          </ac:picMkLst>
+        </pc:picChg>
+        <pc:picChg chg="add mod">
           <ac:chgData name="Southard,Wyatt W.A." userId="bd58111a-1a0a-4f24-908c-42d1f632482e" providerId="ADAL" clId="{444E0F0E-1AA2-4B76-9310-22D308682D10}" dt="2024-01-16T20:30:46.514" v="54" actId="1076"/>
           <ac:picMkLst>
             <pc:docMk/>
@@ -255,12 +287,20 @@
             <ac:picMk id="19" creationId="{F5B686A8-213A-FE84-8CE6-C5D1A8753831}"/>
           </ac:picMkLst>
         </pc:picChg>
-        <pc:picChg chg="add mod">
-          <ac:chgData name="Southard,Wyatt W.A." userId="bd58111a-1a0a-4f24-908c-42d1f632482e" providerId="ADAL" clId="{444E0F0E-1AA2-4B76-9310-22D308682D10}" dt="2024-01-17T07:40:07.809" v="183" actId="14100"/>
+        <pc:picChg chg="add del mod">
+          <ac:chgData name="Southard,Wyatt W.A." userId="bd58111a-1a0a-4f24-908c-42d1f632482e" providerId="ADAL" clId="{444E0F0E-1AA2-4B76-9310-22D308682D10}" dt="2024-01-17T09:05:08.458" v="191" actId="478"/>
           <ac:picMkLst>
             <pc:docMk/>
             <pc:sldMk cId="4288181715" sldId="256"/>
             <ac:picMk id="20" creationId="{430B527F-6C75-2168-E04D-B11A264057BD}"/>
+          </ac:picMkLst>
+        </pc:picChg>
+        <pc:picChg chg="add del">
+          <ac:chgData name="Southard,Wyatt W.A." userId="bd58111a-1a0a-4f24-908c-42d1f632482e" providerId="ADAL" clId="{444E0F0E-1AA2-4B76-9310-22D308682D10}" dt="2024-01-17T09:06:46.877" v="211" actId="478"/>
+          <ac:picMkLst>
+            <pc:docMk/>
+            <pc:sldMk cId="4288181715" sldId="256"/>
+            <ac:picMk id="21" creationId="{A96DA350-55FE-7436-6B0F-ED861BED0169}"/>
           </ac:picMkLst>
         </pc:picChg>
         <pc:picChg chg="mod">
@@ -277,6 +317,22 @@
             <pc:docMk/>
             <pc:sldMk cId="4288181715" sldId="256"/>
             <ac:picMk id="23" creationId="{8ABC3F49-8D18-9610-F364-7B8CF0BA5F53}"/>
+          </ac:picMkLst>
+        </pc:picChg>
+        <pc:picChg chg="add del">
+          <ac:chgData name="Southard,Wyatt W.A." userId="bd58111a-1a0a-4f24-908c-42d1f632482e" providerId="ADAL" clId="{444E0F0E-1AA2-4B76-9310-22D308682D10}" dt="2024-01-17T09:06:52.096" v="213" actId="478"/>
+          <ac:picMkLst>
+            <pc:docMk/>
+            <pc:sldMk cId="4288181715" sldId="256"/>
+            <ac:picMk id="27" creationId="{6EF694FB-C785-AC7A-4C29-A8A0660949A5}"/>
+          </ac:picMkLst>
+        </pc:picChg>
+        <pc:picChg chg="add del mod">
+          <ac:chgData name="Southard,Wyatt W.A." userId="bd58111a-1a0a-4f24-908c-42d1f632482e" providerId="ADAL" clId="{444E0F0E-1AA2-4B76-9310-22D308682D10}" dt="2024-01-17T09:07:00.847" v="216" actId="478"/>
+          <ac:picMkLst>
+            <pc:docMk/>
+            <pc:sldMk cId="4288181715" sldId="256"/>
+            <ac:picMk id="29" creationId="{1BF1EDDE-7778-05CB-C084-675C19EE0642}"/>
           </ac:picMkLst>
         </pc:picChg>
       </pc:sldChg>
@@ -4545,7 +4601,7 @@
           <a:lstStyle/>
           <a:p>
             <a:pPr algn="ctr"/>
-            <a:endParaRPr lang="en-US"/>
+            <a:endParaRPr lang="en-US" dirty="0"/>
           </a:p>
         </p:txBody>
       </p:sp>
@@ -4660,12 +4716,59 @@
           </a:prstGeom>
         </p:spPr>
       </p:pic>
+      <p:sp>
+        <p:nvSpPr>
+          <p:cNvPr id="26" name="Rectangle 25">
+            <a:extLst>
+              <a:ext uri="{FF2B5EF4-FFF2-40B4-BE49-F238E27FC236}">
+                <a16:creationId xmlns:a16="http://schemas.microsoft.com/office/drawing/2014/main" id="{AFFF1699-7CCD-E443-867F-FADC4FA70A68}"/>
+              </a:ext>
+            </a:extLst>
+          </p:cNvPr>
+          <p:cNvSpPr/>
+          <p:nvPr/>
+        </p:nvSpPr>
+        <p:spPr>
+          <a:xfrm>
+            <a:off x="2970241" y="8063006"/>
+            <a:ext cx="1691160" cy="388851"/>
+          </a:xfrm>
+          <a:prstGeom prst="rect">
+            <a:avLst/>
+          </a:prstGeom>
+        </p:spPr>
+        <p:style>
+          <a:lnRef idx="2">
+            <a:schemeClr val="accent1"/>
+          </a:lnRef>
+          <a:fillRef idx="1">
+            <a:schemeClr val="lt1"/>
+          </a:fillRef>
+          <a:effectRef idx="0">
+            <a:schemeClr val="accent1"/>
+          </a:effectRef>
+          <a:fontRef idx="minor">
+            <a:schemeClr val="dk1"/>
+          </a:fontRef>
+        </p:style>
+        <p:txBody>
+          <a:bodyPr rtlCol="0" anchor="ctr"/>
+          <a:lstStyle/>
+          <a:p>
+            <a:pPr algn="ctr"/>
+            <a:r>
+              <a:rPr lang="en-US" sz="1400" dirty="0"/>
+              <a:t>Power Dissipation of Linear Regulator</a:t>
+            </a:r>
+          </a:p>
+        </p:txBody>
+      </p:sp>
       <p:pic>
         <p:nvPicPr>
-          <p:cNvPr id="6" name="Picture 5">
+          <p:cNvPr id="5" name="Picture 4">
             <a:extLst>
               <a:ext uri="{FF2B5EF4-FFF2-40B4-BE49-F238E27FC236}">
-                <a16:creationId xmlns:a16="http://schemas.microsoft.com/office/drawing/2014/main" id="{50A02C9E-42D9-65CB-1599-D3D130EAEB95}"/>
+                <a16:creationId xmlns:a16="http://schemas.microsoft.com/office/drawing/2014/main" id="{CE0B433D-7FC8-E9A1-7DD1-95D9516533B0}"/>
               </a:ext>
             </a:extLst>
           </p:cNvPr>
@@ -4682,8 +4785,8 @@
         </p:blipFill>
         <p:spPr>
           <a:xfrm>
-            <a:off x="287486" y="6932264"/>
-            <a:ext cx="3616509" cy="1385701"/>
+            <a:off x="430780" y="6590280"/>
+            <a:ext cx="2452156" cy="1894848"/>
           </a:xfrm>
           <a:prstGeom prst="rect">
             <a:avLst/>
@@ -4692,10 +4795,10 @@
       </p:pic>
       <p:pic>
         <p:nvPicPr>
-          <p:cNvPr id="20" name="Picture 19">
+          <p:cNvPr id="14" name="Picture 13">
             <a:extLst>
               <a:ext uri="{FF2B5EF4-FFF2-40B4-BE49-F238E27FC236}">
-                <a16:creationId xmlns:a16="http://schemas.microsoft.com/office/drawing/2014/main" id="{430B527F-6C75-2168-E04D-B11A264057BD}"/>
+                <a16:creationId xmlns:a16="http://schemas.microsoft.com/office/drawing/2014/main" id="{8AE2651A-1A4E-6E73-4901-839FD6E37F4D}"/>
               </a:ext>
             </a:extLst>
           </p:cNvPr>
@@ -4712,8 +4815,8 @@
         </p:blipFill>
         <p:spPr>
           <a:xfrm>
-            <a:off x="5793025" y="6906967"/>
-            <a:ext cx="3533662" cy="1426862"/>
+            <a:off x="5023924" y="6906964"/>
+            <a:ext cx="4287697" cy="963160"/>
           </a:xfrm>
           <a:prstGeom prst="rect">
             <a:avLst/>
@@ -4722,10 +4825,10 @@
       </p:pic>
       <p:sp>
         <p:nvSpPr>
-          <p:cNvPr id="26" name="Rectangle 25">
+          <p:cNvPr id="30" name="Rectangle 29">
             <a:extLst>
               <a:ext uri="{FF2B5EF4-FFF2-40B4-BE49-F238E27FC236}">
-                <a16:creationId xmlns:a16="http://schemas.microsoft.com/office/drawing/2014/main" id="{AFFF1699-7CCD-E443-867F-FADC4FA70A68}"/>
+                <a16:creationId xmlns:a16="http://schemas.microsoft.com/office/drawing/2014/main" id="{91BF7EFD-0064-9383-C53F-57895469E8B8}"/>
               </a:ext>
             </a:extLst>
           </p:cNvPr>
@@ -4734,7 +4837,7 @@
         </p:nvSpPr>
         <p:spPr>
           <a:xfrm>
-            <a:off x="3955020" y="7467600"/>
+            <a:off x="6491221" y="8063006"/>
             <a:ext cx="1691160" cy="388851"/>
           </a:xfrm>
           <a:prstGeom prst="rect">
@@ -4762,7 +4865,7 @@
             <a:pPr algn="ctr"/>
             <a:r>
               <a:rPr lang="en-US" sz="1400" dirty="0"/>
-              <a:t>Power Dissipation of Linear Regulator</a:t>
+              <a:t>Current through the DC-Load</a:t>
             </a:r>
           </a:p>
         </p:txBody>
